--- a/Cryptocurrency AI.pptx
+++ b/Cryptocurrency AI.pptx
@@ -5,7 +5,7 @@
     <p:sldMasterId id="2147483660" r:id="rId1"/>
   </p:sldMasterIdLst>
   <p:notesMasterIdLst>
-    <p:notesMasterId r:id="rId14"/>
+    <p:notesMasterId r:id="rId15"/>
   </p:notesMasterIdLst>
   <p:sldIdLst>
     <p:sldId id="256" r:id="rId2"/>
@@ -20,6 +20,7 @@
     <p:sldId id="265" r:id="rId11"/>
     <p:sldId id="266" r:id="rId12"/>
     <p:sldId id="267" r:id="rId13"/>
+    <p:sldId id="268" r:id="rId14"/>
   </p:sldIdLst>
   <p:sldSz cx="12192000" cy="6858000"/>
   <p:notesSz cx="6858000" cy="9144000"/>
@@ -118,7 +119,124 @@
       </a:defRPr>
     </a:lvl9pPr>
   </p:defaultTextStyle>
+  <p:extLst>
+    <p:ext uri="{EFAFB233-063F-42B5-8137-9DF3F51BA10A}">
+      <p15:sldGuideLst xmlns:p15="http://schemas.microsoft.com/office/powerpoint/2012/main"/>
+    </p:ext>
+  </p:extLst>
 </p:presentation>
+</file>
+
+<file path=ppt/ink/ink1.xml><?xml version="1.0" encoding="utf-8"?>
+<inkml:ink xmlns:inkml="http://www.w3.org/2003/InkML">
+  <inkml:definitions>
+    <inkml:context xml:id="ctx0">
+      <inkml:inkSource xml:id="inkSrc0">
+        <inkml:traceFormat>
+          <inkml:channel name="X" type="integer" min="-2.14748E9" max="2.14748E9" units="cm"/>
+          <inkml:channel name="Y" type="integer" min="-2.14748E9" max="2.14748E9" units="cm"/>
+          <inkml:channel name="F" type="integer" max="32767" units="dev"/>
+        </inkml:traceFormat>
+        <inkml:channelProperties>
+          <inkml:channelProperty channel="X" name="resolution" value="1000" units="1/cm"/>
+          <inkml:channelProperty channel="Y" name="resolution" value="1000" units="1/cm"/>
+          <inkml:channelProperty channel="F" name="resolution" value="0" units="1/dev"/>
+        </inkml:channelProperties>
+      </inkml:inkSource>
+      <inkml:timestamp xml:id="ts0" timeString="2022-05-03T17:35:30.908"/>
+    </inkml:context>
+    <inkml:brush xml:id="br0">
+      <inkml:brushProperty name="width" value="0.05" units="cm"/>
+      <inkml:brushProperty name="height" value="0.05" units="cm"/>
+      <inkml:brushProperty name="color" value="#E71224"/>
+    </inkml:brush>
+  </inkml:definitions>
+  <inkml:trace contextRef="#ctx0" brushRef="#br0">3050 54 24575,'-56'-20'0,"-3"8"0,29 5 0,-1 1 0,-61-2 0,-337 9 0,409 0 0,-1 1 0,-34 8 0,33-5 0,0-1 0,-25 1 0,17-4 0,-1 1 0,-52 10 0,-104 16 0,158-23 0,1-1 0,-36 0 0,35-3 0,-1 2 0,-31 6 0,12 1 0,25-6 0,1 1 0,-36 13 0,49-14 0,-26 11 0,0-1 0,-1-2 0,0-1 0,-1-2 0,-57 6 0,63-11 0,-1 2 0,2 1 0,-1 1 0,-35 14 0,-30 8 0,-144 26 0,106-27 0,81-18 0,-26 3 0,65-13 0,0 0 0,0 1 0,1 1 0,-1 1 0,1 0 0,-20 8 0,26-8 0,0 0 0,0 0 0,1 1 0,-1 0 0,1 0 0,1 0 0,-1 1 0,1 0 0,0 1 0,0 0 0,1-1 0,-6 10 0,-28 41 0,29-44 0,0 0 0,1 1 0,0 0 0,2 1 0,-11 24 0,10-10 0,1 0 0,1 0 0,2 1 0,1-1 0,1 1 0,2 31 0,-1 44 0,4 85 0,3-151 0,2 1 0,22 66 0,27 33 0,-16-47 0,-3 3 0,70 126 0,-64-135 0,-33-61 0,2 1 0,1-2 0,0 0 0,22 26 0,37 50 0,-54-71 0,1-1 0,42 45 0,313 300 0,-268-292 0,-88-66 0,1 0 0,0-2 0,36 19 0,-29-18 0,44 32 0,-52-32 0,1-1 0,1-1 0,0-1 0,0-1 0,40 13 0,118 23 0,-89-27 0,-34-5 0,1-3 0,1-2 0,81 1 0,-127-10 0,0 0 0,0-1 0,-1 0 0,1-1 0,0 0 0,-1-1 0,0 0 0,1-1 0,-1 0 0,-1-1 0,1 0 0,-1-1 0,0 0 0,0-1 0,0 0 0,-1 0 0,0-1 0,-1 0 0,12-14 0,39-38 0,-39 42 0,0-1 0,-2-1 0,0-1 0,-2 0 0,0-1 0,14-27 0,4-21 0,101-199 0,-63 150 0,34-66 0,-80 131 0,33-100 0,-12 17 0,7-26 0,-27 2 0,26-107 0,-28 181 0,-12 48 0,7-43 0,14-126 0,-23 137 0,-6 43 0,0 0 0,-1-33 0,-4 39 0,2-19 0,-3 0 0,-2 1 0,-12-68 0,4 54 0,9 39 0,0-1 0,-1 1 0,-1 0 0,0 1 0,-1-1 0,-1 1 0,0 0 0,-1 0 0,0 1 0,-1 0 0,-11-13 0,-67-71 0,81 93-85,0 0 0,-1 1-1,1 0 1,-1 0 0,0 0-1,0 1 1,0 0 0,0 0-1,0 0 1,0 1 0,0 0-1,-1 0 1,1 0 0,0 1-1,-12 1 1,-5-1-6741</inkml:trace>
+</inkml:ink>
+</file>
+
+<file path=ppt/ink/ink2.xml><?xml version="1.0" encoding="utf-8"?>
+<inkml:ink xmlns:inkml="http://www.w3.org/2003/InkML">
+  <inkml:definitions>
+    <inkml:context xml:id="ctx0">
+      <inkml:inkSource xml:id="inkSrc0">
+        <inkml:traceFormat>
+          <inkml:channel name="X" type="integer" min="-2.14748E9" max="2.14748E9" units="cm"/>
+          <inkml:channel name="Y" type="integer" min="-2.14748E9" max="2.14748E9" units="cm"/>
+          <inkml:channel name="F" type="integer" max="32767" units="dev"/>
+        </inkml:traceFormat>
+        <inkml:channelProperties>
+          <inkml:channelProperty channel="X" name="resolution" value="1000" units="1/cm"/>
+          <inkml:channelProperty channel="Y" name="resolution" value="1000" units="1/cm"/>
+          <inkml:channelProperty channel="F" name="resolution" value="0" units="1/dev"/>
+        </inkml:channelProperties>
+      </inkml:inkSource>
+      <inkml:timestamp xml:id="ts0" timeString="2022-05-03T17:35:34.718"/>
+    </inkml:context>
+    <inkml:brush xml:id="br0">
+      <inkml:brushProperty name="width" value="0.05" units="cm"/>
+      <inkml:brushProperty name="height" value="0.05" units="cm"/>
+      <inkml:brushProperty name="color" value="#E71224"/>
+    </inkml:brush>
+  </inkml:definitions>
+  <inkml:trace contextRef="#ctx0" brushRef="#br0">88 971 24575,'1'1'0,"0"-1"0,0 0 0,0 1 0,0-1 0,0 0 0,0 1 0,-1-1 0,1 1 0,0 0 0,0-1 0,0 1 0,-1 0 0,1-1 0,0 1 0,-1 0 0,1 0 0,-1 0 0,1 0 0,-1 0 0,1-1 0,-1 1 0,1 0 0,-1 0 0,0 0 0,1 1 0,8 34 0,-5-18 0,1 3 0,1 0 0,-2 1 0,-1 0 0,0 37 0,0-10 0,22 87 0,-14-79 0,-5-30 0,-1 0 0,1 48 0,-8 37 0,4 97 0,10-137 0,-7-52 0,-1 0 0,1 29 0,-5-38 0,2 1 0,-1-1 0,1 0 0,1 1 0,0-1 0,0 0 0,2 0 0,-1-1 0,1 1 0,12 17 0,-7-14 0,0 0 0,2 0 0,0-2 0,0 1 0,1-2 0,23 17 0,-5-9 0,0-1 0,2-1 0,-1-2 0,2-1 0,0-2 0,49 12 0,-8-5 0,-22-5 0,89 13 0,-43-13 0,-54-7 0,76 2 0,-84-7 0,58 9 0,-56-5 0,57 2 0,-61-8 0,4 0 0,0 0 0,1-3 0,59-11 0,88-14 0,-166 23 0,0 0 0,0-2 0,-1 0 0,0-1 0,0-1 0,28-19 0,-41 25 0,0-1 0,-1 0 0,0 0 0,0-1 0,0 0 0,0 0 0,-1 0 0,0-1 0,0 1 0,0-1 0,-1-1 0,1 1 0,-2 0 0,1-1 0,-1 0 0,4-10 0,0-11 0,-1-1 0,-1 0 0,-1-1 0,-2 1 0,-1 0 0,-1-1 0,-1 1 0,-2 0 0,-13-57 0,-12-85 0,2 11 0,20 131 0,-2-50 0,6 49 0,-9-46 0,6 47 0,-2-60 0,5 60 0,0 0 0,-8-36 0,3 24 0,2 0 0,2 0 0,2 0 0,4-44 0,-1-3 0,0 61 0,1 0 0,1 0 0,2 0 0,9-28 0,10-49 0,-14 46 0,-5 30 0,-2 0 0,2-44 0,-4 45 0,1 1 0,1 1 0,14-48 0,-11 51 0,-2 0 0,0 0 0,-1-1 0,-2 1 0,1-37 0,-3 56 0,-1 0 0,0 0 0,1 0 0,-1 1 0,0-1 0,0 0 0,0 1 0,-1-1 0,1 1 0,-1-1 0,1 1 0,-1 0 0,0-1 0,0 1 0,0 0 0,0 0 0,0 0 0,-1 1 0,1-1 0,0 0 0,-1 1 0,1 0 0,-1-1 0,0 1 0,1 0 0,-1 0 0,0 1 0,0-1 0,0 1 0,1-1 0,-6 1 0,-12-2 0,0 1 0,0 1 0,-33 4 0,17-1 0,-61-3 0,-47 2 0,72 11 0,52-8 0,1-2 0,-30 3 0,-42-6 0,53-1 0,1 1 0,-1 2 0,-64 12 0,56-6 0,0-3 0,0-2 0,0-1 0,-53-6 0,-8 1 0,105 3 0,-32-1 0,0 2 0,0 1 0,-60 12 0,-7 2 0,70-13 0,-46 11 0,27-1 0,-134 31 0,141-35 0,1 1 0,-43 17 0,81-25 0,1 1 0,-1-1 0,1 0 0,0 1 0,0 0 0,0 0 0,0 0 0,0 0 0,0 1 0,1-1 0,0 1 0,0-1 0,0 1 0,0 0 0,0 0 0,1 0 0,-1 0 0,1 0 0,0 0 0,1 0 0,-1 1 0,1-1 0,0 0 0,0 9 0,0 3 0,1 1 0,1 0 0,0 0 0,1-1 0,5 17 0,4 5 0,-2-1 0,-2 1 0,-2 1 0,-1 0 0,0 49 0,-3-40 0,13 76 0,-6-56 0,14 42-1365,-21-90-5461</inkml:trace>
+</inkml:ink>
+</file>
+
+<file path=ppt/ink/ink3.xml><?xml version="1.0" encoding="utf-8"?>
+<inkml:ink xmlns:inkml="http://www.w3.org/2003/InkML">
+  <inkml:definitions>
+    <inkml:context xml:id="ctx0">
+      <inkml:inkSource xml:id="inkSrc0">
+        <inkml:traceFormat>
+          <inkml:channel name="X" type="integer" min="-2.14748E9" max="2.14748E9" units="cm"/>
+          <inkml:channel name="Y" type="integer" min="-2.14748E9" max="2.14748E9" units="cm"/>
+          <inkml:channel name="F" type="integer" max="32767" units="dev"/>
+        </inkml:traceFormat>
+        <inkml:channelProperties>
+          <inkml:channelProperty channel="X" name="resolution" value="1000" units="1/cm"/>
+          <inkml:channelProperty channel="Y" name="resolution" value="1000" units="1/cm"/>
+          <inkml:channelProperty channel="F" name="resolution" value="0" units="1/dev"/>
+        </inkml:channelProperties>
+      </inkml:inkSource>
+      <inkml:timestamp xml:id="ts0" timeString="2022-05-03T17:35:41.586"/>
+    </inkml:context>
+    <inkml:brush xml:id="br0">
+      <inkml:brushProperty name="width" value="0.05" units="cm"/>
+      <inkml:brushProperty name="height" value="0.05" units="cm"/>
+      <inkml:brushProperty name="color" value="#E71224"/>
+    </inkml:brush>
+  </inkml:definitions>
+  <inkml:trace contextRef="#ctx0" brushRef="#br0">4018 1212 24575,'-430'0'0,"411"1"0,-1 1 0,-37 9 0,36-7 0,0 0 0,-27 2 0,-641-4 0,335-5 0,322 5 0,-57 10 0,57-7 0,-55 3 0,-1160-7 0,568-3 0,674 2 0,1 0 0,0 0 0,0 0 0,0-1 0,0 1 0,0-1 0,0 0 0,0-1 0,0 1 0,0-1 0,0 1 0,1-1 0,-1 0 0,0-1 0,1 1 0,0-1 0,-5-4 0,4 3 0,1-1 0,0 0 0,0 0 0,0 0 0,0 0 0,1-1 0,0 1 0,0-1 0,0 0 0,1 1 0,0-1 0,-1-6 0,-26-180 0,16 127 0,7 38 0,0-1 0,0-38 0,5 35 0,-1 1 0,-1 0 0,-10-51 0,5 38 0,1 1 0,3-1 0,2 0 0,4-52 0,0-3 0,-4 38 0,3-67 0,-2 124 0,1 1 0,-1-1 0,1 0 0,0 0 0,0 1 0,0-1 0,1 0 0,-1 1 0,1-1 0,-1 1 0,1 0 0,0-1 0,0 1 0,0 0 0,0 0 0,0 0 0,0 0 0,0 1 0,1-1 0,-1 0 0,1 1 0,0 0 0,-1 0 0,1 0 0,0 0 0,-1 0 0,1 0 0,0 1 0,0-1 0,5 1 0,12-2 0,0 1 0,0 1 0,32 4 0,-16-1 0,-35-3 0,35 0 0,-1 3 0,66 11 0,-69-8 0,0-3 0,1 0 0,0-2 0,37-3 0,66 2 0,-64 13 0,-52-9 0,0 0 0,28 1 0,6-4 0,-22-1 0,-1 1 0,0 1 0,47 10 0,-36-5 0,0-2 0,0-1 0,1-3 0,53-4 0,2 0 0,597 3 0,-674 1 0,-1 1 0,35 8 0,-33-5 0,0-1 0,25 1 0,102 9 0,24 0 0,-152-13 0,-1 1 0,35 8 0,35 2 0,-12-11 0,-44-2 0,1 1 0,-1 2 0,63 12 0,-55-7 0,0-2 0,0-1 0,1-3 0,54-4 0,1 0 0,31 1 0,143 5 0,-270-3 0,0 0 0,1 1 0,-1-1 0,0 1 0,1-1 0,-1 1 0,0 0 0,0 0 0,1 0 0,-1 0 0,0 0 0,0 1 0,0-1 0,0 1 0,-1-1 0,1 1 0,0 0 0,-1-1 0,1 1 0,-1 0 0,1 0 0,-1 0 0,0 0 0,0 1 0,1 1 0,1 6 0,0-1 0,-1 1 0,0 0 0,0 19 0,3 14 0,2-1 0,-2 0 0,-3 0 0,-3 76 0,2 52 0,12-98 0,-9-52 0,0 1 0,1 27 0,-5 165-1365,0-189-5461</inkml:trace>
+</inkml:ink>
+</file>
+
+<file path=ppt/ink/ink4.xml><?xml version="1.0" encoding="utf-8"?>
+<inkml:ink xmlns:inkml="http://www.w3.org/2003/InkML">
+  <inkml:definitions>
+    <inkml:context xml:id="ctx0">
+      <inkml:inkSource xml:id="inkSrc0">
+        <inkml:traceFormat>
+          <inkml:channel name="X" type="integer" min="-2.14748E9" max="2.14748E9" units="cm"/>
+          <inkml:channel name="Y" type="integer" min="-2.14748E9" max="2.14748E9" units="cm"/>
+          <inkml:channel name="F" type="integer" max="32767" units="dev"/>
+        </inkml:traceFormat>
+        <inkml:channelProperties>
+          <inkml:channelProperty channel="X" name="resolution" value="1000" units="1/cm"/>
+          <inkml:channelProperty channel="Y" name="resolution" value="1000" units="1/cm"/>
+          <inkml:channelProperty channel="F" name="resolution" value="0" units="1/dev"/>
+        </inkml:channelProperties>
+      </inkml:inkSource>
+      <inkml:timestamp xml:id="ts0" timeString="2022-05-03T17:35:52.168"/>
+    </inkml:context>
+    <inkml:brush xml:id="br0">
+      <inkml:brushProperty name="width" value="0.05" units="cm"/>
+      <inkml:brushProperty name="height" value="0.05" units="cm"/>
+      <inkml:brushProperty name="color" value="#E71224"/>
+    </inkml:brush>
+  </inkml:definitions>
+  <inkml:trace contextRef="#ctx0" brushRef="#br0">863 54 24575,'3'1'0,"-1"-1"0,1 1 0,-1-1 0,1 1 0,-1 0 0,1 0 0,-1 0 0,0 0 0,1 0 0,-1 1 0,0-1 0,0 1 0,0-1 0,0 1 0,0 0 0,0 0 0,-1-1 0,1 1 0,-1 1 0,1-1 0,-1 0 0,0 0 0,0 0 0,0 1 0,0-1 0,0 1 0,0-1 0,-1 1 0,1-1 0,-1 1 0,1-1 0,-1 4 0,2 14 0,0 0 0,-2 1 0,-1 22 0,0-20 0,-1 621 0,1-624 0,-1-1 0,-9 38 0,6-36 0,1 0 0,-1 27 0,4 58 0,2-53 0,-2 1 0,-13 82 0,9-104 0,2 1 0,2 46 0,-2 17 0,2-84 0,0 0 0,-1 0 0,-1-1 0,0 1 0,0 0 0,-10 20 0,11-28 0,0-1 0,-1 1 0,1 0 0,-1-1 0,1 1 0,-1-1 0,0 0 0,0 0 0,-1 0 0,1 0 0,0 0 0,-1-1 0,0 0 0,0 1 0,0-2 0,0 1 0,0 0 0,0-1 0,0 1 0,0-1 0,-7 0 0,-54 4 0,-97-8 0,40 0 0,87 5 0,-68 12 0,28-1 0,72-13 0,-1 1 0,1 0 0,-1 0 0,1 0 0,-1 1 0,1-1 0,-1 1 0,1 0 0,0 0 0,0 0 0,0 0 0,0 0 0,0 1 0,1 0 0,-1-1 0,1 1 0,0 0 0,-1 0 0,1 0 0,1 0 0,-1 1 0,0-1 0,1 1 0,-1-1 0,1 1 0,0-1 0,0 5 0,-3 13 0,1 0 0,1-1 0,1 39 0,0-13 0,-11 29 0,0 12 0,11-71 0,1 15 0,-2 0 0,-1 0 0,-7 31 0,5-34 0,1 1 0,-1 49 0,4-49 0,0 0 0,-10 46 0,6-47 0,1 1 0,0 45 0,3-45 0,0 0 0,-11 49 0,5-33 0,1 1 0,3 0 0,2 0 0,5 54 0,-1 8 0,-5-5 0,4 114 0,25-83 0,-26-131 0,-1 0 0,1 0 0,1 0 0,-1 0 0,0 0 0,1-1 0,-1 1 0,1 0 0,0-1 0,0 1 0,0-1 0,0 0 0,0 1 0,0-1 0,1 0 0,-1-1 0,1 1 0,-1 0 0,1-1 0,0 1 0,0-1 0,-1 0 0,1 0 0,0 0 0,0 0 0,0 0 0,0-1 0,5 1 0,12 1 0,-1-1 0,1-1 0,31-4 0,-15 1 0,139 5 0,79-6 0,-182-8 0,-52 7 0,0 1 0,28-1 0,100-11 0,-56 4 0,-16 0 0,-49 7 0,0 1 0,31-1 0,-32 5 0,0-1 0,0-2 0,41-8 0,-35 5 0,0 2 0,0 2 0,0 0 0,41 5 0,62-4 0,-62-11 0,-53 7 0,0 1 0,28-1 0,62 6 0,47-2 0,-154 0 0,0 1 0,0-1 0,-1 0 0,1 1 0,0-2 0,0 1 0,-1 0 0,1 0 0,-1-1 0,1 0 0,-1 1 0,0-1 0,0 0 0,1 0 0,-1 0 0,-1 0 0,1-1 0,0 1 0,0 0 0,-1-1 0,1 1 0,-1-1 0,0 0 0,0 1 0,0-1 0,0 0 0,-1 0 0,1 1 0,0-1 0,-1-6 0,2-10 0,-1-1 0,-1 0 0,-4-32 0,1 15 0,3-83 0,-2-54 0,-11 101 0,9 53 0,0 0 0,-1-28 0,4 10 0,1 7 0,-2 1 0,0-1 0,-9-37 0,-17-92 0,21 112 0,2 0 0,2 0 0,6-90 0,0 29 0,-3-1148 0,-1 1238 0,-1-1 0,-9-37 0,6 36 0,1 0 0,-1-27 0,4-8 0,1 24 0,-1 0 0,-1 0 0,-9-41 0,5 44 0,3 1 0,-2-48 0,5 48 0,-2-1 0,-9-49 0,-28-123 0,37 187 0,0 0 0,0 1 0,-1-1 0,-1 1 0,-1 0 0,-9-20 0,13 30 0,-1 0 0,0 0 0,1 0 0,-2 0 0,1 0 0,0 0 0,0 1 0,-1-1 0,1 1 0,-1 0 0,0 0 0,0 0 0,0 0 0,0 0 0,0 0 0,0 1 0,-1-1 0,1 1 0,0 0 0,-1 0 0,1 1 0,-1-1 0,1 0 0,-1 1 0,1 0 0,-1 0 0,1 0 0,-1 1 0,1-1 0,-4 1 0,-14 5 0,0 1 0,1 1 0,-19 10 0,-18 7 0,24-13 0,-52 18 0,-2-9 0,-66 12 0,95-22 0,29-5 0,0-2 0,-42 2 0,-196-7-1365,244 1-5461</inkml:trace>
+</inkml:ink>
 </file>
 
 <file path=ppt/notesMasters/notesMaster1.xml><?xml version="1.0" encoding="utf-8"?>
@@ -203,7 +321,7 @@
           <a:p>
             <a:fld id="{65D2DAED-09F0-4567-8578-BD9D4F39EA54}" type="datetimeFigureOut">
               <a:rPr lang="en-US" smtClean="0"/>
-              <a:t>5/1/2022</a:t>
+              <a:t>5/3/2022</a:t>
             </a:fld>
             <a:endParaRPr lang="en-US"/>
           </a:p>
@@ -806,7 +924,7 @@
           <a:p>
             <a:fld id="{EE8112B2-8EAE-4615-BDBB-EAA5BAE8CD29}" type="datetimeFigureOut">
               <a:rPr lang="en-US" smtClean="0"/>
-              <a:t>4/30/2022</a:t>
+              <a:t>5/3/2022</a:t>
             </a:fld>
             <a:endParaRPr lang="en-US"/>
           </a:p>
@@ -1034,7 +1152,7 @@
           <a:p>
             <a:fld id="{EE8112B2-8EAE-4615-BDBB-EAA5BAE8CD29}" type="datetimeFigureOut">
               <a:rPr lang="en-US" smtClean="0"/>
-              <a:t>4/30/2022</a:t>
+              <a:t>5/3/2022</a:t>
             </a:fld>
             <a:endParaRPr lang="en-US"/>
           </a:p>
@@ -1214,7 +1332,7 @@
           <a:p>
             <a:fld id="{EE8112B2-8EAE-4615-BDBB-EAA5BAE8CD29}" type="datetimeFigureOut">
               <a:rPr lang="en-US" smtClean="0"/>
-              <a:t>4/30/2022</a:t>
+              <a:t>5/3/2022</a:t>
             </a:fld>
             <a:endParaRPr lang="en-US"/>
           </a:p>
@@ -1384,7 +1502,7 @@
           <a:p>
             <a:fld id="{EE8112B2-8EAE-4615-BDBB-EAA5BAE8CD29}" type="datetimeFigureOut">
               <a:rPr lang="en-US" smtClean="0"/>
-              <a:t>4/30/2022</a:t>
+              <a:t>5/3/2022</a:t>
             </a:fld>
             <a:endParaRPr lang="en-US"/>
           </a:p>
@@ -1638,7 +1756,7 @@
           <a:p>
             <a:fld id="{EE8112B2-8EAE-4615-BDBB-EAA5BAE8CD29}" type="datetimeFigureOut">
               <a:rPr lang="en-US" smtClean="0"/>
-              <a:t>4/30/2022</a:t>
+              <a:t>5/3/2022</a:t>
             </a:fld>
             <a:endParaRPr lang="en-US"/>
           </a:p>
@@ -1964,7 +2082,7 @@
           <a:p>
             <a:fld id="{EE8112B2-8EAE-4615-BDBB-EAA5BAE8CD29}" type="datetimeFigureOut">
               <a:rPr lang="en-US" smtClean="0"/>
-              <a:t>4/30/2022</a:t>
+              <a:t>5/3/2022</a:t>
             </a:fld>
             <a:endParaRPr lang="en-US"/>
           </a:p>
@@ -2415,7 +2533,7 @@
           <a:p>
             <a:fld id="{EE8112B2-8EAE-4615-BDBB-EAA5BAE8CD29}" type="datetimeFigureOut">
               <a:rPr lang="en-US" smtClean="0"/>
-              <a:t>4/30/2022</a:t>
+              <a:t>5/3/2022</a:t>
             </a:fld>
             <a:endParaRPr lang="en-US"/>
           </a:p>
@@ -2533,7 +2651,7 @@
           <a:p>
             <a:fld id="{EE8112B2-8EAE-4615-BDBB-EAA5BAE8CD29}" type="datetimeFigureOut">
               <a:rPr lang="en-US" smtClean="0"/>
-              <a:t>4/30/2022</a:t>
+              <a:t>5/3/2022</a:t>
             </a:fld>
             <a:endParaRPr lang="en-US"/>
           </a:p>
@@ -2628,7 +2746,7 @@
           <a:p>
             <a:fld id="{EE8112B2-8EAE-4615-BDBB-EAA5BAE8CD29}" type="datetimeFigureOut">
               <a:rPr lang="en-US" smtClean="0"/>
-              <a:t>4/30/2022</a:t>
+              <a:t>5/3/2022</a:t>
             </a:fld>
             <a:endParaRPr lang="en-US"/>
           </a:p>
@@ -2915,7 +3033,7 @@
           <a:p>
             <a:fld id="{EE8112B2-8EAE-4615-BDBB-EAA5BAE8CD29}" type="datetimeFigureOut">
               <a:rPr lang="en-US" smtClean="0"/>
-              <a:t>4/30/2022</a:t>
+              <a:t>5/3/2022</a:t>
             </a:fld>
             <a:endParaRPr lang="en-US"/>
           </a:p>
@@ -3237,7 +3355,7 @@
           <a:p>
             <a:fld id="{EE8112B2-8EAE-4615-BDBB-EAA5BAE8CD29}" type="datetimeFigureOut">
               <a:rPr lang="en-US" smtClean="0"/>
-              <a:t>4/30/2022</a:t>
+              <a:t>5/3/2022</a:t>
             </a:fld>
             <a:endParaRPr lang="en-US"/>
           </a:p>
@@ -3491,7 +3609,7 @@
           <a:p>
             <a:fld id="{EE8112B2-8EAE-4615-BDBB-EAA5BAE8CD29}" type="datetimeFigureOut">
               <a:rPr lang="en-US" smtClean="0"/>
-              <a:t>4/30/2022</a:t>
+              <a:t>5/3/2022</a:t>
             </a:fld>
             <a:endParaRPr lang="en-US"/>
           </a:p>
@@ -4565,6 +4683,104 @@
 </p:sld>
 </file>
 
+<file path=ppt/slides/slide13.xml><?xml version="1.0" encoding="utf-8"?>
+<p:sld xmlns:a="http://schemas.openxmlformats.org/drawingml/2006/main" xmlns:r="http://schemas.openxmlformats.org/officeDocument/2006/relationships" xmlns:p="http://schemas.openxmlformats.org/presentationml/2006/main">
+  <p:cSld>
+    <p:spTree>
+      <p:nvGrpSpPr>
+        <p:cNvPr id="1" name=""/>
+        <p:cNvGrpSpPr/>
+        <p:nvPr/>
+      </p:nvGrpSpPr>
+      <p:grpSpPr>
+        <a:xfrm>
+          <a:off x="0" y="0"/>
+          <a:ext cx="0" cy="0"/>
+          <a:chOff x="0" y="0"/>
+          <a:chExt cx="0" cy="0"/>
+        </a:xfrm>
+      </p:grpSpPr>
+      <p:sp>
+        <p:nvSpPr>
+          <p:cNvPr id="2" name="Title 1">
+            <a:extLst>
+              <a:ext uri="{FF2B5EF4-FFF2-40B4-BE49-F238E27FC236}">
+                <a16:creationId xmlns:a16="http://schemas.microsoft.com/office/drawing/2014/main" id="{F1CCF4E8-F68B-8846-5E15-6DDFE98854BC}"/>
+              </a:ext>
+            </a:extLst>
+          </p:cNvPr>
+          <p:cNvSpPr>
+            <a:spLocks noGrp="1"/>
+          </p:cNvSpPr>
+          <p:nvPr>
+            <p:ph type="title"/>
+          </p:nvPr>
+        </p:nvSpPr>
+        <p:spPr/>
+        <p:txBody>
+          <a:bodyPr/>
+          <a:lstStyle/>
+          <a:p>
+            <a:r>
+              <a:rPr lang="en-US" dirty="0"/>
+              <a:t>Further Research</a:t>
+            </a:r>
+          </a:p>
+        </p:txBody>
+      </p:sp>
+      <p:sp>
+        <p:nvSpPr>
+          <p:cNvPr id="3" name="Content Placeholder 2">
+            <a:extLst>
+              <a:ext uri="{FF2B5EF4-FFF2-40B4-BE49-F238E27FC236}">
+                <a16:creationId xmlns:a16="http://schemas.microsoft.com/office/drawing/2014/main" id="{CC7176BC-2607-6B85-74B5-C3EACA29FB39}"/>
+              </a:ext>
+            </a:extLst>
+          </p:cNvPr>
+          <p:cNvSpPr>
+            <a:spLocks noGrp="1"/>
+          </p:cNvSpPr>
+          <p:nvPr>
+            <p:ph idx="1"/>
+          </p:nvPr>
+        </p:nvSpPr>
+        <p:spPr/>
+        <p:txBody>
+          <a:bodyPr/>
+          <a:lstStyle/>
+          <a:p>
+            <a:r>
+              <a:rPr lang="en-US" dirty="0"/>
+              <a:t>Predictions further into the future</a:t>
+            </a:r>
+          </a:p>
+          <a:p>
+            <a:r>
+              <a:rPr lang="en-US" dirty="0"/>
+              <a:t>Implementing a Transformer Network instead of LSTM</a:t>
+            </a:r>
+          </a:p>
+          <a:p>
+            <a:r>
+              <a:rPr lang="en-US" dirty="0"/>
+              <a:t>Applying this model to different cryptocurrencies and even stocks</a:t>
+            </a:r>
+          </a:p>
+        </p:txBody>
+      </p:sp>
+    </p:spTree>
+    <p:extLst>
+      <p:ext uri="{BB962C8B-B14F-4D97-AF65-F5344CB8AC3E}">
+        <p14:creationId xmlns:p14="http://schemas.microsoft.com/office/powerpoint/2010/main" val="403173142"/>
+      </p:ext>
+    </p:extLst>
+  </p:cSld>
+  <p:clrMapOvr>
+    <a:masterClrMapping/>
+  </p:clrMapOvr>
+</p:sld>
+</file>
+
 <file path=ppt/slides/slide2.xml><?xml version="1.0" encoding="utf-8"?>
 <p:sld xmlns:a="http://schemas.openxmlformats.org/drawingml/2006/main" xmlns:r="http://schemas.openxmlformats.org/officeDocument/2006/relationships" xmlns:p="http://schemas.openxmlformats.org/presentationml/2006/main">
   <p:cSld>
@@ -6425,8 +6641,8 @@
           </a:xfrm>
         </p:spPr>
       </p:pic>
-      <mc:AlternateContent xmlns:mc="http://schemas.openxmlformats.org/markup-compatibility/2006">
-        <mc:Choice xmlns:a14="http://schemas.microsoft.com/office/drawing/2010/main" Requires="a14">
+      <mc:AlternateContent xmlns:mc="http://schemas.openxmlformats.org/markup-compatibility/2006" xmlns:a14="http://schemas.microsoft.com/office/drawing/2010/main">
+        <mc:Choice Requires="a14">
           <p:sp>
             <p:nvSpPr>
               <p:cNvPr id="6" name="TextBox 5">
@@ -6957,7 +7173,7 @@
             </p:txBody>
           </p:sp>
         </mc:Choice>
-        <mc:Fallback>
+        <mc:Fallback xmlns="">
           <p:sp>
             <p:nvSpPr>
               <p:cNvPr id="6" name="TextBox 5">
@@ -7000,6 +7216,210 @@
               </a:p>
             </p:txBody>
           </p:sp>
+        </mc:Fallback>
+      </mc:AlternateContent>
+      <mc:AlternateContent xmlns:mc="http://schemas.openxmlformats.org/markup-compatibility/2006">
+        <mc:Choice xmlns:p14="http://schemas.microsoft.com/office/powerpoint/2010/main" Requires="p14">
+          <p:contentPart p14:bwMode="auto" r:id="rId5">
+            <p14:nvContentPartPr>
+              <p14:cNvPr id="15" name="Ink 14">
+                <a:extLst>
+                  <a:ext uri="{FF2B5EF4-FFF2-40B4-BE49-F238E27FC236}">
+                    <a16:creationId xmlns:a16="http://schemas.microsoft.com/office/drawing/2014/main" id="{6641EE14-DB5B-BAF5-BB84-BCAA217F539C}"/>
+                  </a:ext>
+                </a:extLst>
+              </p14:cNvPr>
+              <p14:cNvContentPartPr/>
+              <p14:nvPr/>
+            </p14:nvContentPartPr>
+            <p14:xfrm>
+              <a:off x="4715735" y="1886021"/>
+              <a:ext cx="1147320" cy="1146600"/>
+            </p14:xfrm>
+          </p:contentPart>
+        </mc:Choice>
+        <mc:Fallback>
+          <p:pic>
+            <p:nvPicPr>
+              <p:cNvPr id="15" name="Ink 14">
+                <a:extLst>
+                  <a:ext uri="{FF2B5EF4-FFF2-40B4-BE49-F238E27FC236}">
+                    <a16:creationId xmlns:a16="http://schemas.microsoft.com/office/drawing/2014/main" id="{6641EE14-DB5B-BAF5-BB84-BCAA217F539C}"/>
+                  </a:ext>
+                </a:extLst>
+              </p:cNvPr>
+              <p:cNvPicPr/>
+              <p:nvPr/>
+            </p:nvPicPr>
+            <p:blipFill>
+              <a:blip r:embed="rId6"/>
+              <a:stretch>
+                <a:fillRect/>
+              </a:stretch>
+            </p:blipFill>
+            <p:spPr>
+              <a:xfrm>
+                <a:off x="4706735" y="1877381"/>
+                <a:ext cx="1164960" cy="1164240"/>
+              </a:xfrm>
+              <a:prstGeom prst="rect">
+                <a:avLst/>
+              </a:prstGeom>
+            </p:spPr>
+          </p:pic>
+        </mc:Fallback>
+      </mc:AlternateContent>
+      <mc:AlternateContent xmlns:mc="http://schemas.openxmlformats.org/markup-compatibility/2006">
+        <mc:Choice xmlns:p14="http://schemas.microsoft.com/office/powerpoint/2010/main" Requires="p14">
+          <p:contentPart p14:bwMode="auto" r:id="rId7">
+            <p14:nvContentPartPr>
+              <p14:cNvPr id="16" name="Ink 15">
+                <a:extLst>
+                  <a:ext uri="{FF2B5EF4-FFF2-40B4-BE49-F238E27FC236}">
+                    <a16:creationId xmlns:a16="http://schemas.microsoft.com/office/drawing/2014/main" id="{4DE4FA0D-DF10-26B8-F09C-F1BF6EC5DF22}"/>
+                  </a:ext>
+                </a:extLst>
+              </p14:cNvPr>
+              <p14:cNvContentPartPr/>
+              <p14:nvPr/>
+            </p14:nvContentPartPr>
+            <p14:xfrm>
+              <a:off x="5887895" y="1479221"/>
+              <a:ext cx="784080" cy="908640"/>
+            </p14:xfrm>
+          </p:contentPart>
+        </mc:Choice>
+        <mc:Fallback>
+          <p:pic>
+            <p:nvPicPr>
+              <p:cNvPr id="16" name="Ink 15">
+                <a:extLst>
+                  <a:ext uri="{FF2B5EF4-FFF2-40B4-BE49-F238E27FC236}">
+                    <a16:creationId xmlns:a16="http://schemas.microsoft.com/office/drawing/2014/main" id="{4DE4FA0D-DF10-26B8-F09C-F1BF6EC5DF22}"/>
+                  </a:ext>
+                </a:extLst>
+              </p:cNvPr>
+              <p:cNvPicPr/>
+              <p:nvPr/>
+            </p:nvPicPr>
+            <p:blipFill>
+              <a:blip r:embed="rId8"/>
+              <a:stretch>
+                <a:fillRect/>
+              </a:stretch>
+            </p:blipFill>
+            <p:spPr>
+              <a:xfrm>
+                <a:off x="5879255" y="1470221"/>
+                <a:ext cx="801720" cy="926280"/>
+              </a:xfrm>
+              <a:prstGeom prst="rect">
+                <a:avLst/>
+              </a:prstGeom>
+            </p:spPr>
+          </p:pic>
+        </mc:Fallback>
+      </mc:AlternateContent>
+      <mc:AlternateContent xmlns:mc="http://schemas.openxmlformats.org/markup-compatibility/2006">
+        <mc:Choice xmlns:p14="http://schemas.microsoft.com/office/powerpoint/2010/main" Requires="p14">
+          <p:contentPart p14:bwMode="auto" r:id="rId9">
+            <p14:nvContentPartPr>
+              <p14:cNvPr id="17" name="Ink 16">
+                <a:extLst>
+                  <a:ext uri="{FF2B5EF4-FFF2-40B4-BE49-F238E27FC236}">
+                    <a16:creationId xmlns:a16="http://schemas.microsoft.com/office/drawing/2014/main" id="{30B1CCF9-C822-DC53-51F5-314C59F91A14}"/>
+                  </a:ext>
+                </a:extLst>
+              </p14:cNvPr>
+              <p14:cNvContentPartPr/>
+              <p14:nvPr/>
+            </p14:nvContentPartPr>
+            <p14:xfrm>
+              <a:off x="5397215" y="959381"/>
+              <a:ext cx="1446480" cy="456120"/>
+            </p14:xfrm>
+          </p:contentPart>
+        </mc:Choice>
+        <mc:Fallback>
+          <p:pic>
+            <p:nvPicPr>
+              <p:cNvPr id="17" name="Ink 16">
+                <a:extLst>
+                  <a:ext uri="{FF2B5EF4-FFF2-40B4-BE49-F238E27FC236}">
+                    <a16:creationId xmlns:a16="http://schemas.microsoft.com/office/drawing/2014/main" id="{30B1CCF9-C822-DC53-51F5-314C59F91A14}"/>
+                  </a:ext>
+                </a:extLst>
+              </p:cNvPr>
+              <p:cNvPicPr/>
+              <p:nvPr/>
+            </p:nvPicPr>
+            <p:blipFill>
+              <a:blip r:embed="rId10"/>
+              <a:stretch>
+                <a:fillRect/>
+              </a:stretch>
+            </p:blipFill>
+            <p:spPr>
+              <a:xfrm>
+                <a:off x="5388575" y="950741"/>
+                <a:ext cx="1464120" cy="473760"/>
+              </a:xfrm>
+              <a:prstGeom prst="rect">
+                <a:avLst/>
+              </a:prstGeom>
+            </p:spPr>
+          </p:pic>
+        </mc:Fallback>
+      </mc:AlternateContent>
+      <mc:AlternateContent xmlns:mc="http://schemas.openxmlformats.org/markup-compatibility/2006">
+        <mc:Choice xmlns:p14="http://schemas.microsoft.com/office/powerpoint/2010/main" Requires="p14">
+          <p:contentPart p14:bwMode="auto" r:id="rId11">
+            <p14:nvContentPartPr>
+              <p14:cNvPr id="18" name="Ink 17">
+                <a:extLst>
+                  <a:ext uri="{FF2B5EF4-FFF2-40B4-BE49-F238E27FC236}">
+                    <a16:creationId xmlns:a16="http://schemas.microsoft.com/office/drawing/2014/main" id="{1D2C049C-DD19-79B8-27DD-32254FFD5E57}"/>
+                  </a:ext>
+                </a:extLst>
+              </p14:cNvPr>
+              <p14:cNvContentPartPr/>
+              <p14:nvPr/>
+            </p14:nvContentPartPr>
+            <p14:xfrm>
+              <a:off x="6696455" y="952541"/>
+              <a:ext cx="804600" cy="1389600"/>
+            </p14:xfrm>
+          </p:contentPart>
+        </mc:Choice>
+        <mc:Fallback>
+          <p:pic>
+            <p:nvPicPr>
+              <p:cNvPr id="18" name="Ink 17">
+                <a:extLst>
+                  <a:ext uri="{FF2B5EF4-FFF2-40B4-BE49-F238E27FC236}">
+                    <a16:creationId xmlns:a16="http://schemas.microsoft.com/office/drawing/2014/main" id="{1D2C049C-DD19-79B8-27DD-32254FFD5E57}"/>
+                  </a:ext>
+                </a:extLst>
+              </p:cNvPr>
+              <p:cNvPicPr/>
+              <p:nvPr/>
+            </p:nvPicPr>
+            <p:blipFill>
+              <a:blip r:embed="rId12"/>
+              <a:stretch>
+                <a:fillRect/>
+              </a:stretch>
+            </p:blipFill>
+            <p:spPr>
+              <a:xfrm>
+                <a:off x="6687815" y="943541"/>
+                <a:ext cx="822240" cy="1407240"/>
+              </a:xfrm>
+              <a:prstGeom prst="rect">
+                <a:avLst/>
+              </a:prstGeom>
+            </p:spPr>
+          </p:pic>
         </mc:Fallback>
       </mc:AlternateContent>
     </p:spTree>

--- a/Cryptocurrency AI.pptx
+++ b/Cryptocurrency AI.pptx
@@ -127,118 +127,6 @@
 </p:presentation>
 </file>
 
-<file path=ppt/ink/ink1.xml><?xml version="1.0" encoding="utf-8"?>
-<inkml:ink xmlns:inkml="http://www.w3.org/2003/InkML">
-  <inkml:definitions>
-    <inkml:context xml:id="ctx0">
-      <inkml:inkSource xml:id="inkSrc0">
-        <inkml:traceFormat>
-          <inkml:channel name="X" type="integer" min="-2.14748E9" max="2.14748E9" units="cm"/>
-          <inkml:channel name="Y" type="integer" min="-2.14748E9" max="2.14748E9" units="cm"/>
-          <inkml:channel name="F" type="integer" max="32767" units="dev"/>
-        </inkml:traceFormat>
-        <inkml:channelProperties>
-          <inkml:channelProperty channel="X" name="resolution" value="1000" units="1/cm"/>
-          <inkml:channelProperty channel="Y" name="resolution" value="1000" units="1/cm"/>
-          <inkml:channelProperty channel="F" name="resolution" value="0" units="1/dev"/>
-        </inkml:channelProperties>
-      </inkml:inkSource>
-      <inkml:timestamp xml:id="ts0" timeString="2022-05-03T17:35:30.908"/>
-    </inkml:context>
-    <inkml:brush xml:id="br0">
-      <inkml:brushProperty name="width" value="0.05" units="cm"/>
-      <inkml:brushProperty name="height" value="0.05" units="cm"/>
-      <inkml:brushProperty name="color" value="#E71224"/>
-    </inkml:brush>
-  </inkml:definitions>
-  <inkml:trace contextRef="#ctx0" brushRef="#br0">3050 54 24575,'-56'-20'0,"-3"8"0,29 5 0,-1 1 0,-61-2 0,-337 9 0,409 0 0,-1 1 0,-34 8 0,33-5 0,0-1 0,-25 1 0,17-4 0,-1 1 0,-52 10 0,-104 16 0,158-23 0,1-1 0,-36 0 0,35-3 0,-1 2 0,-31 6 0,12 1 0,25-6 0,1 1 0,-36 13 0,49-14 0,-26 11 0,0-1 0,-1-2 0,0-1 0,-1-2 0,-57 6 0,63-11 0,-1 2 0,2 1 0,-1 1 0,-35 14 0,-30 8 0,-144 26 0,106-27 0,81-18 0,-26 3 0,65-13 0,0 0 0,0 1 0,1 1 0,-1 1 0,1 0 0,-20 8 0,26-8 0,0 0 0,0 0 0,1 1 0,-1 0 0,1 0 0,1 0 0,-1 1 0,1 0 0,0 1 0,0 0 0,1-1 0,-6 10 0,-28 41 0,29-44 0,0 0 0,1 1 0,0 0 0,2 1 0,-11 24 0,10-10 0,1 0 0,1 0 0,2 1 0,1-1 0,1 1 0,2 31 0,-1 44 0,4 85 0,3-151 0,2 1 0,22 66 0,27 33 0,-16-47 0,-3 3 0,70 126 0,-64-135 0,-33-61 0,2 1 0,1-2 0,0 0 0,22 26 0,37 50 0,-54-71 0,1-1 0,42 45 0,313 300 0,-268-292 0,-88-66 0,1 0 0,0-2 0,36 19 0,-29-18 0,44 32 0,-52-32 0,1-1 0,1-1 0,0-1 0,0-1 0,40 13 0,118 23 0,-89-27 0,-34-5 0,1-3 0,1-2 0,81 1 0,-127-10 0,0 0 0,0-1 0,-1 0 0,1-1 0,0 0 0,-1-1 0,0 0 0,1-1 0,-1 0 0,-1-1 0,1 0 0,-1-1 0,0 0 0,0-1 0,0 0 0,-1 0 0,0-1 0,-1 0 0,12-14 0,39-38 0,-39 42 0,0-1 0,-2-1 0,0-1 0,-2 0 0,0-1 0,14-27 0,4-21 0,101-199 0,-63 150 0,34-66 0,-80 131 0,33-100 0,-12 17 0,7-26 0,-27 2 0,26-107 0,-28 181 0,-12 48 0,7-43 0,14-126 0,-23 137 0,-6 43 0,0 0 0,-1-33 0,-4 39 0,2-19 0,-3 0 0,-2 1 0,-12-68 0,4 54 0,9 39 0,0-1 0,-1 1 0,-1 0 0,0 1 0,-1-1 0,-1 1 0,0 0 0,-1 0 0,0 1 0,-1 0 0,-11-13 0,-67-71 0,81 93-85,0 0 0,-1 1-1,1 0 1,-1 0 0,0 0-1,0 1 1,0 0 0,0 0-1,0 0 1,0 1 0,0 0-1,-1 0 1,1 0 0,0 1-1,-12 1 1,-5-1-6741</inkml:trace>
-</inkml:ink>
-</file>
-
-<file path=ppt/ink/ink2.xml><?xml version="1.0" encoding="utf-8"?>
-<inkml:ink xmlns:inkml="http://www.w3.org/2003/InkML">
-  <inkml:definitions>
-    <inkml:context xml:id="ctx0">
-      <inkml:inkSource xml:id="inkSrc0">
-        <inkml:traceFormat>
-          <inkml:channel name="X" type="integer" min="-2.14748E9" max="2.14748E9" units="cm"/>
-          <inkml:channel name="Y" type="integer" min="-2.14748E9" max="2.14748E9" units="cm"/>
-          <inkml:channel name="F" type="integer" max="32767" units="dev"/>
-        </inkml:traceFormat>
-        <inkml:channelProperties>
-          <inkml:channelProperty channel="X" name="resolution" value="1000" units="1/cm"/>
-          <inkml:channelProperty channel="Y" name="resolution" value="1000" units="1/cm"/>
-          <inkml:channelProperty channel="F" name="resolution" value="0" units="1/dev"/>
-        </inkml:channelProperties>
-      </inkml:inkSource>
-      <inkml:timestamp xml:id="ts0" timeString="2022-05-03T17:35:34.718"/>
-    </inkml:context>
-    <inkml:brush xml:id="br0">
-      <inkml:brushProperty name="width" value="0.05" units="cm"/>
-      <inkml:brushProperty name="height" value="0.05" units="cm"/>
-      <inkml:brushProperty name="color" value="#E71224"/>
-    </inkml:brush>
-  </inkml:definitions>
-  <inkml:trace contextRef="#ctx0" brushRef="#br0">88 971 24575,'1'1'0,"0"-1"0,0 0 0,0 1 0,0-1 0,0 0 0,0 1 0,-1-1 0,1 1 0,0 0 0,0-1 0,0 1 0,-1 0 0,1-1 0,0 1 0,-1 0 0,1 0 0,-1 0 0,1 0 0,-1 0 0,1-1 0,-1 1 0,1 0 0,-1 0 0,0 0 0,1 1 0,8 34 0,-5-18 0,1 3 0,1 0 0,-2 1 0,-1 0 0,0 37 0,0-10 0,22 87 0,-14-79 0,-5-30 0,-1 0 0,1 48 0,-8 37 0,4 97 0,10-137 0,-7-52 0,-1 0 0,1 29 0,-5-38 0,2 1 0,-1-1 0,1 0 0,1 1 0,0-1 0,0 0 0,2 0 0,-1-1 0,1 1 0,12 17 0,-7-14 0,0 0 0,2 0 0,0-2 0,0 1 0,1-2 0,23 17 0,-5-9 0,0-1 0,2-1 0,-1-2 0,2-1 0,0-2 0,49 12 0,-8-5 0,-22-5 0,89 13 0,-43-13 0,-54-7 0,76 2 0,-84-7 0,58 9 0,-56-5 0,57 2 0,-61-8 0,4 0 0,0 0 0,1-3 0,59-11 0,88-14 0,-166 23 0,0 0 0,0-2 0,-1 0 0,0-1 0,0-1 0,28-19 0,-41 25 0,0-1 0,-1 0 0,0 0 0,0-1 0,0 0 0,0 0 0,-1 0 0,0-1 0,0 1 0,0-1 0,-1-1 0,1 1 0,-2 0 0,1-1 0,-1 0 0,4-10 0,0-11 0,-1-1 0,-1 0 0,-1-1 0,-2 1 0,-1 0 0,-1-1 0,-1 1 0,-2 0 0,-13-57 0,-12-85 0,2 11 0,20 131 0,-2-50 0,6 49 0,-9-46 0,6 47 0,-2-60 0,5 60 0,0 0 0,-8-36 0,3 24 0,2 0 0,2 0 0,2 0 0,4-44 0,-1-3 0,0 61 0,1 0 0,1 0 0,2 0 0,9-28 0,10-49 0,-14 46 0,-5 30 0,-2 0 0,2-44 0,-4 45 0,1 1 0,1 1 0,14-48 0,-11 51 0,-2 0 0,0 0 0,-1-1 0,-2 1 0,1-37 0,-3 56 0,-1 0 0,0 0 0,1 0 0,-1 1 0,0-1 0,0 0 0,0 1 0,-1-1 0,1 1 0,-1-1 0,1 1 0,-1 0 0,0-1 0,0 1 0,0 0 0,0 0 0,0 0 0,-1 1 0,1-1 0,0 0 0,-1 1 0,1 0 0,-1-1 0,0 1 0,1 0 0,-1 0 0,0 1 0,0-1 0,0 1 0,1-1 0,-6 1 0,-12-2 0,0 1 0,0 1 0,-33 4 0,17-1 0,-61-3 0,-47 2 0,72 11 0,52-8 0,1-2 0,-30 3 0,-42-6 0,53-1 0,1 1 0,-1 2 0,-64 12 0,56-6 0,0-3 0,0-2 0,0-1 0,-53-6 0,-8 1 0,105 3 0,-32-1 0,0 2 0,0 1 0,-60 12 0,-7 2 0,70-13 0,-46 11 0,27-1 0,-134 31 0,141-35 0,1 1 0,-43 17 0,81-25 0,1 1 0,-1-1 0,1 0 0,0 1 0,0 0 0,0 0 0,0 0 0,0 0 0,0 1 0,1-1 0,0 1 0,0-1 0,0 1 0,0 0 0,0 0 0,1 0 0,-1 0 0,1 0 0,0 0 0,1 0 0,-1 1 0,1-1 0,0 0 0,0 9 0,0 3 0,1 1 0,1 0 0,0 0 0,1-1 0,5 17 0,4 5 0,-2-1 0,-2 1 0,-2 1 0,-1 0 0,0 49 0,-3-40 0,13 76 0,-6-56 0,14 42-1365,-21-90-5461</inkml:trace>
-</inkml:ink>
-</file>
-
-<file path=ppt/ink/ink3.xml><?xml version="1.0" encoding="utf-8"?>
-<inkml:ink xmlns:inkml="http://www.w3.org/2003/InkML">
-  <inkml:definitions>
-    <inkml:context xml:id="ctx0">
-      <inkml:inkSource xml:id="inkSrc0">
-        <inkml:traceFormat>
-          <inkml:channel name="X" type="integer" min="-2.14748E9" max="2.14748E9" units="cm"/>
-          <inkml:channel name="Y" type="integer" min="-2.14748E9" max="2.14748E9" units="cm"/>
-          <inkml:channel name="F" type="integer" max="32767" units="dev"/>
-        </inkml:traceFormat>
-        <inkml:channelProperties>
-          <inkml:channelProperty channel="X" name="resolution" value="1000" units="1/cm"/>
-          <inkml:channelProperty channel="Y" name="resolution" value="1000" units="1/cm"/>
-          <inkml:channelProperty channel="F" name="resolution" value="0" units="1/dev"/>
-        </inkml:channelProperties>
-      </inkml:inkSource>
-      <inkml:timestamp xml:id="ts0" timeString="2022-05-03T17:35:41.586"/>
-    </inkml:context>
-    <inkml:brush xml:id="br0">
-      <inkml:brushProperty name="width" value="0.05" units="cm"/>
-      <inkml:brushProperty name="height" value="0.05" units="cm"/>
-      <inkml:brushProperty name="color" value="#E71224"/>
-    </inkml:brush>
-  </inkml:definitions>
-  <inkml:trace contextRef="#ctx0" brushRef="#br0">4018 1212 24575,'-430'0'0,"411"1"0,-1 1 0,-37 9 0,36-7 0,0 0 0,-27 2 0,-641-4 0,335-5 0,322 5 0,-57 10 0,57-7 0,-55 3 0,-1160-7 0,568-3 0,674 2 0,1 0 0,0 0 0,0 0 0,0-1 0,0 1 0,0-1 0,0 0 0,0-1 0,0 1 0,0-1 0,0 1 0,1-1 0,-1 0 0,0-1 0,1 1 0,0-1 0,-5-4 0,4 3 0,1-1 0,0 0 0,0 0 0,0 0 0,0 0 0,1-1 0,0 1 0,0-1 0,0 0 0,1 1 0,0-1 0,-1-6 0,-26-180 0,16 127 0,7 38 0,0-1 0,0-38 0,5 35 0,-1 1 0,-1 0 0,-10-51 0,5 38 0,1 1 0,3-1 0,2 0 0,4-52 0,0-3 0,-4 38 0,3-67 0,-2 124 0,1 1 0,-1-1 0,1 0 0,0 0 0,0 1 0,0-1 0,1 0 0,-1 1 0,1-1 0,-1 1 0,1 0 0,0-1 0,0 1 0,0 0 0,0 0 0,0 0 0,0 0 0,0 1 0,1-1 0,-1 0 0,1 1 0,0 0 0,-1 0 0,1 0 0,0 0 0,-1 0 0,1 0 0,0 1 0,0-1 0,5 1 0,12-2 0,0 1 0,0 1 0,32 4 0,-16-1 0,-35-3 0,35 0 0,-1 3 0,66 11 0,-69-8 0,0-3 0,1 0 0,0-2 0,37-3 0,66 2 0,-64 13 0,-52-9 0,0 0 0,28 1 0,6-4 0,-22-1 0,-1 1 0,0 1 0,47 10 0,-36-5 0,0-2 0,0-1 0,1-3 0,53-4 0,2 0 0,597 3 0,-674 1 0,-1 1 0,35 8 0,-33-5 0,0-1 0,25 1 0,102 9 0,24 0 0,-152-13 0,-1 1 0,35 8 0,35 2 0,-12-11 0,-44-2 0,1 1 0,-1 2 0,63 12 0,-55-7 0,0-2 0,0-1 0,1-3 0,54-4 0,1 0 0,31 1 0,143 5 0,-270-3 0,0 0 0,1 1 0,-1-1 0,0 1 0,1-1 0,-1 1 0,0 0 0,0 0 0,1 0 0,-1 0 0,0 0 0,0 1 0,0-1 0,0 1 0,-1-1 0,1 1 0,0 0 0,-1-1 0,1 1 0,-1 0 0,1 0 0,-1 0 0,0 0 0,0 1 0,1 1 0,1 6 0,0-1 0,-1 1 0,0 0 0,0 19 0,3 14 0,2-1 0,-2 0 0,-3 0 0,-3 76 0,2 52 0,12-98 0,-9-52 0,0 1 0,1 27 0,-5 165-1365,0-189-5461</inkml:trace>
-</inkml:ink>
-</file>
-
-<file path=ppt/ink/ink4.xml><?xml version="1.0" encoding="utf-8"?>
-<inkml:ink xmlns:inkml="http://www.w3.org/2003/InkML">
-  <inkml:definitions>
-    <inkml:context xml:id="ctx0">
-      <inkml:inkSource xml:id="inkSrc0">
-        <inkml:traceFormat>
-          <inkml:channel name="X" type="integer" min="-2.14748E9" max="2.14748E9" units="cm"/>
-          <inkml:channel name="Y" type="integer" min="-2.14748E9" max="2.14748E9" units="cm"/>
-          <inkml:channel name="F" type="integer" max="32767" units="dev"/>
-        </inkml:traceFormat>
-        <inkml:channelProperties>
-          <inkml:channelProperty channel="X" name="resolution" value="1000" units="1/cm"/>
-          <inkml:channelProperty channel="Y" name="resolution" value="1000" units="1/cm"/>
-          <inkml:channelProperty channel="F" name="resolution" value="0" units="1/dev"/>
-        </inkml:channelProperties>
-      </inkml:inkSource>
-      <inkml:timestamp xml:id="ts0" timeString="2022-05-03T17:35:52.168"/>
-    </inkml:context>
-    <inkml:brush xml:id="br0">
-      <inkml:brushProperty name="width" value="0.05" units="cm"/>
-      <inkml:brushProperty name="height" value="0.05" units="cm"/>
-      <inkml:brushProperty name="color" value="#E71224"/>
-    </inkml:brush>
-  </inkml:definitions>
-  <inkml:trace contextRef="#ctx0" brushRef="#br0">863 54 24575,'3'1'0,"-1"-1"0,1 1 0,-1-1 0,1 1 0,-1 0 0,1 0 0,-1 0 0,0 0 0,1 0 0,-1 1 0,0-1 0,0 1 0,0-1 0,0 1 0,0 0 0,0 0 0,-1-1 0,1 1 0,-1 1 0,1-1 0,-1 0 0,0 0 0,0 0 0,0 1 0,0-1 0,0 1 0,0-1 0,-1 1 0,1-1 0,-1 1 0,1-1 0,-1 4 0,2 14 0,0 0 0,-2 1 0,-1 22 0,0-20 0,-1 621 0,1-624 0,-1-1 0,-9 38 0,6-36 0,1 0 0,-1 27 0,4 58 0,2-53 0,-2 1 0,-13 82 0,9-104 0,2 1 0,2 46 0,-2 17 0,2-84 0,0 0 0,-1 0 0,-1-1 0,0 1 0,0 0 0,-10 20 0,11-28 0,0-1 0,-1 1 0,1 0 0,-1-1 0,1 1 0,-1-1 0,0 0 0,0 0 0,-1 0 0,1 0 0,0 0 0,-1-1 0,0 0 0,0 1 0,0-2 0,0 1 0,0 0 0,0-1 0,0 1 0,0-1 0,-7 0 0,-54 4 0,-97-8 0,40 0 0,87 5 0,-68 12 0,28-1 0,72-13 0,-1 1 0,1 0 0,-1 0 0,1 0 0,-1 1 0,1-1 0,-1 1 0,1 0 0,0 0 0,0 0 0,0 0 0,0 0 0,0 1 0,1 0 0,-1-1 0,1 1 0,0 0 0,-1 0 0,1 0 0,1 0 0,-1 1 0,0-1 0,1 1 0,-1-1 0,1 1 0,0-1 0,0 5 0,-3 13 0,1 0 0,1-1 0,1 39 0,0-13 0,-11 29 0,0 12 0,11-71 0,1 15 0,-2 0 0,-1 0 0,-7 31 0,5-34 0,1 1 0,-1 49 0,4-49 0,0 0 0,-10 46 0,6-47 0,1 1 0,0 45 0,3-45 0,0 0 0,-11 49 0,5-33 0,1 1 0,3 0 0,2 0 0,5 54 0,-1 8 0,-5-5 0,4 114 0,25-83 0,-26-131 0,-1 0 0,1 0 0,1 0 0,-1 0 0,0 0 0,1-1 0,-1 1 0,1 0 0,0-1 0,0 1 0,0-1 0,0 0 0,0 1 0,0-1 0,1 0 0,-1-1 0,1 1 0,-1 0 0,1-1 0,0 1 0,0-1 0,-1 0 0,1 0 0,0 0 0,0 0 0,0 0 0,0-1 0,5 1 0,12 1 0,-1-1 0,1-1 0,31-4 0,-15 1 0,139 5 0,79-6 0,-182-8 0,-52 7 0,0 1 0,28-1 0,100-11 0,-56 4 0,-16 0 0,-49 7 0,0 1 0,31-1 0,-32 5 0,0-1 0,0-2 0,41-8 0,-35 5 0,0 2 0,0 2 0,0 0 0,41 5 0,62-4 0,-62-11 0,-53 7 0,0 1 0,28-1 0,62 6 0,47-2 0,-154 0 0,0 1 0,0-1 0,-1 0 0,1 1 0,0-2 0,0 1 0,-1 0 0,1 0 0,-1-1 0,1 0 0,-1 1 0,0-1 0,0 0 0,1 0 0,-1 0 0,-1 0 0,1-1 0,0 1 0,0 0 0,-1-1 0,1 1 0,-1-1 0,0 0 0,0 1 0,0-1 0,0 0 0,-1 0 0,1 1 0,0-1 0,-1-6 0,2-10 0,-1-1 0,-1 0 0,-4-32 0,1 15 0,3-83 0,-2-54 0,-11 101 0,9 53 0,0 0 0,-1-28 0,4 10 0,1 7 0,-2 1 0,0-1 0,-9-37 0,-17-92 0,21 112 0,2 0 0,2 0 0,6-90 0,0 29 0,-3-1148 0,-1 1238 0,-1-1 0,-9-37 0,6 36 0,1 0 0,-1-27 0,4-8 0,1 24 0,-1 0 0,-1 0 0,-9-41 0,5 44 0,3 1 0,-2-48 0,5 48 0,-2-1 0,-9-49 0,-28-123 0,37 187 0,0 0 0,0 1 0,-1-1 0,-1 1 0,-1 0 0,-9-20 0,13 30 0,-1 0 0,0 0 0,1 0 0,-2 0 0,1 0 0,0 0 0,0 1 0,-1-1 0,1 1 0,-1 0 0,0 0 0,0 0 0,0 0 0,0 0 0,0 0 0,0 1 0,-1-1 0,1 1 0,0 0 0,-1 0 0,1 1 0,-1-1 0,1 0 0,-1 1 0,1 0 0,-1 0 0,1 0 0,-1 1 0,1-1 0,-4 1 0,-14 5 0,0 1 0,1 1 0,-19 10 0,-18 7 0,24-13 0,-52 18 0,-2-9 0,-66 12 0,95-22 0,29-5 0,0-2 0,-42 2 0,-196-7-1365,244 1-5461</inkml:trace>
-</inkml:ink>
-</file>
-
 <file path=ppt/notesMasters/notesMaster1.xml><?xml version="1.0" encoding="utf-8"?>
 <p:notesMaster xmlns:a="http://schemas.openxmlformats.org/drawingml/2006/main" xmlns:r="http://schemas.openxmlformats.org/officeDocument/2006/relationships" xmlns:p="http://schemas.openxmlformats.org/presentationml/2006/main">
   <p:cSld>
@@ -321,7 +209,7 @@
           <a:p>
             <a:fld id="{65D2DAED-09F0-4567-8578-BD9D4F39EA54}" type="datetimeFigureOut">
               <a:rPr lang="en-US" smtClean="0"/>
-              <a:t>5/3/2022</a:t>
+              <a:t>5/4/2022</a:t>
             </a:fld>
             <a:endParaRPr lang="en-US"/>
           </a:p>
@@ -716,6 +604,113 @@
           <a:bodyPr/>
           <a:lstStyle/>
           <a:p>
+            <a:pPr marL="0" marR="0" lvl="0" indent="0" algn="l" defTabSz="914400" rtl="0" eaLnBrk="1" fontAlgn="auto" latinLnBrk="0" hangingPunct="1">
+              <a:lnSpc>
+                <a:spcPct val="100000"/>
+              </a:lnSpc>
+              <a:spcBef>
+                <a:spcPts val="0"/>
+              </a:spcBef>
+              <a:spcAft>
+                <a:spcPts val="0"/>
+              </a:spcAft>
+              <a:buClrTx/>
+              <a:buSzTx/>
+              <a:buFontTx/>
+              <a:buNone/>
+              <a:tabLst/>
+              <a:defRPr/>
+            </a:pPr>
+            <a:r>
+              <a:rPr lang="en-US" sz="1200" dirty="0"/>
+              <a:t>Note: these equations can also have a “b” variable to add bias</a:t>
+            </a:r>
+          </a:p>
+          <a:p>
+            <a:pPr marL="0" marR="0" lvl="0" indent="0" algn="l" defTabSz="914400" rtl="0" eaLnBrk="1" fontAlgn="auto" latinLnBrk="0" hangingPunct="1">
+              <a:lnSpc>
+                <a:spcPct val="100000"/>
+              </a:lnSpc>
+              <a:spcBef>
+                <a:spcPts val="0"/>
+              </a:spcBef>
+              <a:spcAft>
+                <a:spcPts val="0"/>
+              </a:spcAft>
+              <a:buClrTx/>
+              <a:buSzTx/>
+              <a:buFontTx/>
+              <a:buNone/>
+              <a:tabLst/>
+              <a:defRPr/>
+            </a:pPr>
+            <a:r>
+              <a:rPr lang="en-US" sz="1200" dirty="0"/>
+              <a:t>Notes: </a:t>
+            </a:r>
+            <a:r>
+              <a:rPr lang="en-US" sz="1200" dirty="0" err="1"/>
+              <a:t>C’t</a:t>
+            </a:r>
+            <a:r>
+              <a:rPr lang="en-US" sz="1200" dirty="0"/>
+              <a:t> is for internal consumption of the LSTM and is used to generate </a:t>
+            </a:r>
+            <a:r>
+              <a:rPr lang="en-US" sz="1200" dirty="0" err="1"/>
+              <a:t>ct</a:t>
+            </a:r>
+            <a:r>
+              <a:rPr lang="en-US" sz="1200" dirty="0"/>
+              <a:t>, and </a:t>
+            </a:r>
+            <a:r>
+              <a:rPr lang="en-US" sz="1200" dirty="0" err="1"/>
+              <a:t>ht</a:t>
+            </a:r>
+            <a:endParaRPr lang="en-US" sz="1200" dirty="0"/>
+          </a:p>
+          <a:p>
+            <a:pPr marL="0" marR="0" lvl="0" indent="0" algn="l" defTabSz="914400" rtl="0" eaLnBrk="1" fontAlgn="auto" latinLnBrk="0" hangingPunct="1">
+              <a:lnSpc>
+                <a:spcPct val="100000"/>
+              </a:lnSpc>
+              <a:spcBef>
+                <a:spcPts val="0"/>
+              </a:spcBef>
+              <a:spcAft>
+                <a:spcPts val="0"/>
+              </a:spcAft>
+              <a:buClrTx/>
+              <a:buSzTx/>
+              <a:buFontTx/>
+              <a:buNone/>
+              <a:tabLst/>
+              <a:defRPr/>
+            </a:pPr>
+            <a:endParaRPr lang="en-US" sz="1200" dirty="0"/>
+          </a:p>
+          <a:p>
+            <a:pPr marL="0" marR="0" lvl="0" indent="0" algn="l" defTabSz="914400" rtl="0" eaLnBrk="1" fontAlgn="auto" latinLnBrk="0" hangingPunct="1">
+              <a:lnSpc>
+                <a:spcPct val="100000"/>
+              </a:lnSpc>
+              <a:spcBef>
+                <a:spcPts val="0"/>
+              </a:spcBef>
+              <a:spcAft>
+                <a:spcPts val="0"/>
+              </a:spcAft>
+              <a:buClrTx/>
+              <a:buSzTx/>
+              <a:buFontTx/>
+              <a:buNone/>
+              <a:tabLst/>
+              <a:defRPr/>
+            </a:pPr>
+            <a:endParaRPr lang="en-US" sz="1200" dirty="0"/>
+          </a:p>
+          <a:p>
             <a:endParaRPr lang="en-US" dirty="0"/>
           </a:p>
         </p:txBody>
@@ -924,7 +919,7 @@
           <a:p>
             <a:fld id="{EE8112B2-8EAE-4615-BDBB-EAA5BAE8CD29}" type="datetimeFigureOut">
               <a:rPr lang="en-US" smtClean="0"/>
-              <a:t>5/3/2022</a:t>
+              <a:t>5/4/2022</a:t>
             </a:fld>
             <a:endParaRPr lang="en-US"/>
           </a:p>
@@ -1152,7 +1147,7 @@
           <a:p>
             <a:fld id="{EE8112B2-8EAE-4615-BDBB-EAA5BAE8CD29}" type="datetimeFigureOut">
               <a:rPr lang="en-US" smtClean="0"/>
-              <a:t>5/3/2022</a:t>
+              <a:t>5/4/2022</a:t>
             </a:fld>
             <a:endParaRPr lang="en-US"/>
           </a:p>
@@ -1332,7 +1327,7 @@
           <a:p>
             <a:fld id="{EE8112B2-8EAE-4615-BDBB-EAA5BAE8CD29}" type="datetimeFigureOut">
               <a:rPr lang="en-US" smtClean="0"/>
-              <a:t>5/3/2022</a:t>
+              <a:t>5/4/2022</a:t>
             </a:fld>
             <a:endParaRPr lang="en-US"/>
           </a:p>
@@ -1502,7 +1497,7 @@
           <a:p>
             <a:fld id="{EE8112B2-8EAE-4615-BDBB-EAA5BAE8CD29}" type="datetimeFigureOut">
               <a:rPr lang="en-US" smtClean="0"/>
-              <a:t>5/3/2022</a:t>
+              <a:t>5/4/2022</a:t>
             </a:fld>
             <a:endParaRPr lang="en-US"/>
           </a:p>
@@ -1756,7 +1751,7 @@
           <a:p>
             <a:fld id="{EE8112B2-8EAE-4615-BDBB-EAA5BAE8CD29}" type="datetimeFigureOut">
               <a:rPr lang="en-US" smtClean="0"/>
-              <a:t>5/3/2022</a:t>
+              <a:t>5/4/2022</a:t>
             </a:fld>
             <a:endParaRPr lang="en-US"/>
           </a:p>
@@ -2082,7 +2077,7 @@
           <a:p>
             <a:fld id="{EE8112B2-8EAE-4615-BDBB-EAA5BAE8CD29}" type="datetimeFigureOut">
               <a:rPr lang="en-US" smtClean="0"/>
-              <a:t>5/3/2022</a:t>
+              <a:t>5/4/2022</a:t>
             </a:fld>
             <a:endParaRPr lang="en-US"/>
           </a:p>
@@ -2533,7 +2528,7 @@
           <a:p>
             <a:fld id="{EE8112B2-8EAE-4615-BDBB-EAA5BAE8CD29}" type="datetimeFigureOut">
               <a:rPr lang="en-US" smtClean="0"/>
-              <a:t>5/3/2022</a:t>
+              <a:t>5/4/2022</a:t>
             </a:fld>
             <a:endParaRPr lang="en-US"/>
           </a:p>
@@ -2651,7 +2646,7 @@
           <a:p>
             <a:fld id="{EE8112B2-8EAE-4615-BDBB-EAA5BAE8CD29}" type="datetimeFigureOut">
               <a:rPr lang="en-US" smtClean="0"/>
-              <a:t>5/3/2022</a:t>
+              <a:t>5/4/2022</a:t>
             </a:fld>
             <a:endParaRPr lang="en-US"/>
           </a:p>
@@ -2746,7 +2741,7 @@
           <a:p>
             <a:fld id="{EE8112B2-8EAE-4615-BDBB-EAA5BAE8CD29}" type="datetimeFigureOut">
               <a:rPr lang="en-US" smtClean="0"/>
-              <a:t>5/3/2022</a:t>
+              <a:t>5/4/2022</a:t>
             </a:fld>
             <a:endParaRPr lang="en-US"/>
           </a:p>
@@ -3033,7 +3028,7 @@
           <a:p>
             <a:fld id="{EE8112B2-8EAE-4615-BDBB-EAA5BAE8CD29}" type="datetimeFigureOut">
               <a:rPr lang="en-US" smtClean="0"/>
-              <a:t>5/3/2022</a:t>
+              <a:t>5/4/2022</a:t>
             </a:fld>
             <a:endParaRPr lang="en-US"/>
           </a:p>
@@ -3355,7 +3350,7 @@
           <a:p>
             <a:fld id="{EE8112B2-8EAE-4615-BDBB-EAA5BAE8CD29}" type="datetimeFigureOut">
               <a:rPr lang="en-US" smtClean="0"/>
-              <a:t>5/3/2022</a:t>
+              <a:t>5/4/2022</a:t>
             </a:fld>
             <a:endParaRPr lang="en-US"/>
           </a:p>
@@ -3609,7 +3604,7 @@
           <a:p>
             <a:fld id="{EE8112B2-8EAE-4615-BDBB-EAA5BAE8CD29}" type="datetimeFigureOut">
               <a:rPr lang="en-US" smtClean="0"/>
-              <a:t>5/3/2022</a:t>
+              <a:t>5/4/2022</a:t>
             </a:fld>
             <a:endParaRPr lang="en-US"/>
           </a:p>
@@ -6641,8 +6636,8 @@
           </a:xfrm>
         </p:spPr>
       </p:pic>
-      <mc:AlternateContent xmlns:mc="http://schemas.openxmlformats.org/markup-compatibility/2006" xmlns:a14="http://schemas.microsoft.com/office/drawing/2010/main">
-        <mc:Choice Requires="a14">
+      <mc:AlternateContent xmlns:mc="http://schemas.openxmlformats.org/markup-compatibility/2006">
+        <mc:Choice xmlns:a14="http://schemas.microsoft.com/office/drawing/2010/main" Requires="a14">
           <p:sp>
             <p:nvSpPr>
               <p:cNvPr id="6" name="TextBox 5">
@@ -6657,8 +6652,8 @@
             </p:nvSpPr>
             <p:spPr>
               <a:xfrm>
-                <a:off x="5098473" y="3325091"/>
-                <a:ext cx="5800436" cy="2554545"/>
+                <a:off x="4868922" y="3325091"/>
+                <a:ext cx="4178825" cy="2800767"/>
               </a:xfrm>
               <a:prstGeom prst="rect">
                 <a:avLst/>
@@ -7092,6 +7087,59 @@
                   <a:buFont typeface="Arial" panose="020B0604020202020204" pitchFamily="34" charset="0"/>
                   <a:buChar char="•"/>
                 </a:pPr>
+                <a14:m>
+                  <m:oMath xmlns:m="http://schemas.openxmlformats.org/officeDocument/2006/math">
+                    <m:r>
+                      <a:rPr lang="en-US" sz="1600" b="0" i="1" smtClean="0">
+                        <a:latin typeface="Cambria Math" panose="02040503050406030204" pitchFamily="18" charset="0"/>
+                      </a:rPr>
+                      <m:t>𝑈</m:t>
+                    </m:r>
+                    <m:r>
+                      <a:rPr lang="en-US" sz="1600" b="0" i="1" smtClean="0">
+                        <a:latin typeface="Cambria Math" panose="02040503050406030204" pitchFamily="18" charset="0"/>
+                      </a:rPr>
+                      <m:t>,</m:t>
+                    </m:r>
+                    <m:r>
+                      <a:rPr lang="en-US" sz="1600" b="0" i="1" smtClean="0">
+                        <a:latin typeface="Cambria Math" panose="02040503050406030204" pitchFamily="18" charset="0"/>
+                      </a:rPr>
+                      <m:t>𝑊</m:t>
+                    </m:r>
+                    <m:r>
+                      <a:rPr lang="en-US" sz="1600" b="0" i="1" smtClean="0">
+                        <a:latin typeface="Cambria Math" panose="02040503050406030204" pitchFamily="18" charset="0"/>
+                      </a:rPr>
+                      <m:t>=</m:t>
+                    </m:r>
+                    <m:r>
+                      <a:rPr lang="en-US" sz="1600" b="0" i="1" smtClean="0">
+                        <a:latin typeface="Cambria Math" panose="02040503050406030204" pitchFamily="18" charset="0"/>
+                      </a:rPr>
+                      <m:t>𝑊𝑒𝑖𝑔h𝑡</m:t>
+                    </m:r>
+                    <m:r>
+                      <a:rPr lang="en-US" sz="1600" b="0" i="1" smtClean="0">
+                        <a:latin typeface="Cambria Math" panose="02040503050406030204" pitchFamily="18" charset="0"/>
+                      </a:rPr>
+                      <m:t> </m:t>
+                    </m:r>
+                    <m:r>
+                      <a:rPr lang="en-US" sz="1600" b="0" i="1" smtClean="0">
+                        <a:latin typeface="Cambria Math" panose="02040503050406030204" pitchFamily="18" charset="0"/>
+                      </a:rPr>
+                      <m:t>𝑀𝑎𝑡𝑟𝑖𝑐𝑒𝑠</m:t>
+                    </m:r>
+                  </m:oMath>
+                </a14:m>
+                <a:endParaRPr lang="en-US" sz="1600" dirty="0"/>
+              </a:p>
+              <a:p>
+                <a:pPr marL="285750" indent="-285750">
+                  <a:buFont typeface="Arial" panose="020B0604020202020204" pitchFamily="34" charset="0"/>
+                  <a:buChar char="•"/>
+                </a:pPr>
                 <a:endParaRPr lang="en-US" sz="1600" dirty="0"/>
               </a:p>
               <a:p>
@@ -7173,7 +7221,7 @@
             </p:txBody>
           </p:sp>
         </mc:Choice>
-        <mc:Fallback xmlns="">
+        <mc:Fallback>
           <p:sp>
             <p:nvSpPr>
               <p:cNvPr id="6" name="TextBox 5">
@@ -7190,8 +7238,8 @@
             </p:nvSpPr>
             <p:spPr>
               <a:xfrm>
-                <a:off x="5098473" y="3325091"/>
-                <a:ext cx="5800436" cy="2554545"/>
+                <a:off x="4868922" y="3325091"/>
+                <a:ext cx="4178825" cy="2800767"/>
               </a:xfrm>
               <a:prstGeom prst="rect">
                 <a:avLst/>
@@ -7199,7 +7247,7 @@
               <a:blipFill>
                 <a:blip r:embed="rId4"/>
                 <a:stretch>
-                  <a:fillRect l="-525" t="-714" b="-1667"/>
+                  <a:fillRect l="-876" t="-652" r="-146" b="-1522"/>
                 </a:stretch>
               </a:blipFill>
             </p:spPr>
@@ -7219,209 +7267,520 @@
         </mc:Fallback>
       </mc:AlternateContent>
       <mc:AlternateContent xmlns:mc="http://schemas.openxmlformats.org/markup-compatibility/2006">
-        <mc:Choice xmlns:p14="http://schemas.microsoft.com/office/powerpoint/2010/main" Requires="p14">
-          <p:contentPart p14:bwMode="auto" r:id="rId5">
-            <p14:nvContentPartPr>
-              <p14:cNvPr id="15" name="Ink 14">
+        <mc:Choice xmlns:a14="http://schemas.microsoft.com/office/drawing/2010/main" Requires="a14">
+          <p:sp>
+            <p:nvSpPr>
+              <p:cNvPr id="3" name="TextBox 2">
                 <a:extLst>
                   <a:ext uri="{FF2B5EF4-FFF2-40B4-BE49-F238E27FC236}">
-                    <a16:creationId xmlns:a16="http://schemas.microsoft.com/office/drawing/2014/main" id="{6641EE14-DB5B-BAF5-BB84-BCAA217F539C}"/>
-                  </a:ext>
-                </a:extLst>
-              </p14:cNvPr>
-              <p14:cNvContentPartPr/>
-              <p14:nvPr/>
-            </p14:nvContentPartPr>
-            <p14:xfrm>
-              <a:off x="4715735" y="1886021"/>
-              <a:ext cx="1147320" cy="1146600"/>
-            </p14:xfrm>
-          </p:contentPart>
-        </mc:Choice>
-        <mc:Fallback>
-          <p:pic>
-            <p:nvPicPr>
-              <p:cNvPr id="15" name="Ink 14">
-                <a:extLst>
-                  <a:ext uri="{FF2B5EF4-FFF2-40B4-BE49-F238E27FC236}">
-                    <a16:creationId xmlns:a16="http://schemas.microsoft.com/office/drawing/2014/main" id="{6641EE14-DB5B-BAF5-BB84-BCAA217F539C}"/>
+                    <a16:creationId xmlns:a16="http://schemas.microsoft.com/office/drawing/2014/main" id="{EE5A299C-7017-4F09-8CCF-BD7346D72ED5}"/>
                   </a:ext>
                 </a:extLst>
               </p:cNvPr>
-              <p:cNvPicPr/>
+              <p:cNvSpPr txBox="1"/>
               <p:nvPr/>
-            </p:nvPicPr>
-            <p:blipFill>
-              <a:blip r:embed="rId6"/>
-              <a:stretch>
-                <a:fillRect/>
-              </a:stretch>
-            </p:blipFill>
+            </p:nvSpPr>
             <p:spPr>
               <a:xfrm>
-                <a:off x="4706735" y="1877381"/>
-                <a:ext cx="1164960" cy="1164240"/>
+                <a:off x="8653110" y="5168490"/>
+                <a:ext cx="2573691" cy="1815882"/>
               </a:xfrm>
               <a:prstGeom prst="rect">
                 <a:avLst/>
               </a:prstGeom>
+              <a:noFill/>
             </p:spPr>
-          </p:pic>
-        </mc:Fallback>
-      </mc:AlternateContent>
-      <mc:AlternateContent xmlns:mc="http://schemas.openxmlformats.org/markup-compatibility/2006">
-        <mc:Choice xmlns:p14="http://schemas.microsoft.com/office/powerpoint/2010/main" Requires="p14">
-          <p:contentPart p14:bwMode="auto" r:id="rId7">
-            <p14:nvContentPartPr>
-              <p14:cNvPr id="16" name="Ink 15">
+            <p:txBody>
+              <a:bodyPr wrap="square" rtlCol="0">
+                <a:spAutoFit/>
+              </a:bodyPr>
+              <a:lstStyle/>
+              <a:p>
+                <a:pPr marL="285750" indent="-285750">
+                  <a:buFont typeface="Arial" panose="020B0604020202020204" pitchFamily="34" charset="0"/>
+                  <a:buChar char="•"/>
+                </a:pPr>
+                <a14:m>
+                  <m:oMath xmlns:m="http://schemas.openxmlformats.org/officeDocument/2006/math">
+                    <m:sSub>
+                      <m:sSubPr>
+                        <m:ctrlPr>
+                          <a:rPr lang="en-US" sz="1600" i="1" smtClean="0">
+                            <a:latin typeface="Cambria Math" panose="02040503050406030204" pitchFamily="18" charset="0"/>
+                          </a:rPr>
+                        </m:ctrlPr>
+                      </m:sSubPr>
+                      <m:e>
+                        <m:r>
+                          <a:rPr lang="en-US" sz="1600" b="0" i="1" smtClean="0">
+                            <a:latin typeface="Cambria Math" panose="02040503050406030204" pitchFamily="18" charset="0"/>
+                          </a:rPr>
+                          <m:t>𝑓</m:t>
+                        </m:r>
+                      </m:e>
+                      <m:sub>
+                        <m:r>
+                          <a:rPr lang="en-US" sz="1600" b="0" i="1" smtClean="0">
+                            <a:latin typeface="Cambria Math" panose="02040503050406030204" pitchFamily="18" charset="0"/>
+                          </a:rPr>
+                          <m:t>𝑡</m:t>
+                        </m:r>
+                      </m:sub>
+                    </m:sSub>
+                    <m:r>
+                      <a:rPr lang="en-US" sz="1600" b="0" i="1" smtClean="0">
+                        <a:latin typeface="Cambria Math" panose="02040503050406030204" pitchFamily="18" charset="0"/>
+                      </a:rPr>
+                      <m:t>=</m:t>
+                    </m:r>
+                    <m:r>
+                      <a:rPr lang="en-US" sz="1600" b="0" i="1" smtClean="0">
+                        <a:latin typeface="Cambria Math" panose="02040503050406030204" pitchFamily="18" charset="0"/>
+                      </a:rPr>
+                      <m:t>𝐹𝑜𝑟𝑔𝑒𝑡</m:t>
+                    </m:r>
+                    <m:r>
+                      <a:rPr lang="en-US" sz="1600" b="0" i="1" smtClean="0">
+                        <a:latin typeface="Cambria Math" panose="02040503050406030204" pitchFamily="18" charset="0"/>
+                      </a:rPr>
+                      <m:t> </m:t>
+                    </m:r>
+                    <m:r>
+                      <a:rPr lang="en-US" sz="1600" b="0" i="1" smtClean="0">
+                        <a:latin typeface="Cambria Math" panose="02040503050406030204" pitchFamily="18" charset="0"/>
+                      </a:rPr>
+                      <m:t>𝐺𝑎𝑡𝑒</m:t>
+                    </m:r>
+                  </m:oMath>
+                </a14:m>
+                <a:endParaRPr lang="en-US" sz="1600" b="0" dirty="0"/>
+              </a:p>
+              <a:p>
+                <a:pPr marL="285750" indent="-285750">
+                  <a:buFont typeface="Arial" panose="020B0604020202020204" pitchFamily="34" charset="0"/>
+                  <a:buChar char="•"/>
+                </a:pPr>
+                <a14:m>
+                  <m:oMath xmlns:m="http://schemas.openxmlformats.org/officeDocument/2006/math">
+                    <m:sSub>
+                      <m:sSubPr>
+                        <m:ctrlPr>
+                          <a:rPr lang="en-US" sz="1600" b="0" i="1" smtClean="0">
+                            <a:latin typeface="Cambria Math" panose="02040503050406030204" pitchFamily="18" charset="0"/>
+                          </a:rPr>
+                        </m:ctrlPr>
+                      </m:sSubPr>
+                      <m:e>
+                        <m:r>
+                          <a:rPr lang="en-US" sz="1600" b="0" i="1" smtClean="0">
+                            <a:latin typeface="Cambria Math" panose="02040503050406030204" pitchFamily="18" charset="0"/>
+                          </a:rPr>
+                          <m:t>𝑖</m:t>
+                        </m:r>
+                      </m:e>
+                      <m:sub>
+                        <m:r>
+                          <a:rPr lang="en-US" sz="1600" b="0" i="1" smtClean="0">
+                            <a:latin typeface="Cambria Math" panose="02040503050406030204" pitchFamily="18" charset="0"/>
+                          </a:rPr>
+                          <m:t>𝑡</m:t>
+                        </m:r>
+                      </m:sub>
+                    </m:sSub>
+                    <m:r>
+                      <a:rPr lang="en-US" sz="1600" b="0" i="1" smtClean="0">
+                        <a:latin typeface="Cambria Math" panose="02040503050406030204" pitchFamily="18" charset="0"/>
+                      </a:rPr>
+                      <m:t>=</m:t>
+                    </m:r>
+                    <m:r>
+                      <a:rPr lang="en-US" sz="1600" b="0" i="1" smtClean="0">
+                        <a:latin typeface="Cambria Math" panose="02040503050406030204" pitchFamily="18" charset="0"/>
+                      </a:rPr>
+                      <m:t>𝐼𝑛𝑝𝑢𝑡</m:t>
+                    </m:r>
+                    <m:r>
+                      <a:rPr lang="en-US" sz="1600" b="0" i="1" smtClean="0">
+                        <a:latin typeface="Cambria Math" panose="02040503050406030204" pitchFamily="18" charset="0"/>
+                      </a:rPr>
+                      <m:t> </m:t>
+                    </m:r>
+                    <m:r>
+                      <a:rPr lang="en-US" sz="1600" b="0" i="1" smtClean="0">
+                        <a:latin typeface="Cambria Math" panose="02040503050406030204" pitchFamily="18" charset="0"/>
+                      </a:rPr>
+                      <m:t>𝐺𝑎𝑡𝑒</m:t>
+                    </m:r>
+                  </m:oMath>
+                </a14:m>
+                <a:endParaRPr lang="en-US" sz="1600" b="0" dirty="0"/>
+              </a:p>
+              <a:p>
+                <a:pPr marL="285750" indent="-285750">
+                  <a:buFont typeface="Arial" panose="020B0604020202020204" pitchFamily="34" charset="0"/>
+                  <a:buChar char="•"/>
+                </a:pPr>
+                <a14:m>
+                  <m:oMath xmlns:m="http://schemas.openxmlformats.org/officeDocument/2006/math">
+                    <m:sSub>
+                      <m:sSubPr>
+                        <m:ctrlPr>
+                          <a:rPr lang="en-US" sz="1600" b="0" i="1" smtClean="0">
+                            <a:latin typeface="Cambria Math" panose="02040503050406030204" pitchFamily="18" charset="0"/>
+                          </a:rPr>
+                        </m:ctrlPr>
+                      </m:sSubPr>
+                      <m:e>
+                        <m:r>
+                          <a:rPr lang="en-US" sz="1600" b="0" i="1" smtClean="0">
+                            <a:latin typeface="Cambria Math" panose="02040503050406030204" pitchFamily="18" charset="0"/>
+                          </a:rPr>
+                          <m:t>𝑜</m:t>
+                        </m:r>
+                      </m:e>
+                      <m:sub>
+                        <m:r>
+                          <a:rPr lang="en-US" sz="1600" b="0" i="1" smtClean="0">
+                            <a:latin typeface="Cambria Math" panose="02040503050406030204" pitchFamily="18" charset="0"/>
+                          </a:rPr>
+                          <m:t>𝑡</m:t>
+                        </m:r>
+                      </m:sub>
+                    </m:sSub>
+                    <m:r>
+                      <a:rPr lang="en-US" sz="1600" b="0" i="1" smtClean="0">
+                        <a:latin typeface="Cambria Math" panose="02040503050406030204" pitchFamily="18" charset="0"/>
+                      </a:rPr>
+                      <m:t>=</m:t>
+                    </m:r>
+                    <m:r>
+                      <a:rPr lang="en-US" sz="1600" b="0" i="1" smtClean="0">
+                        <a:latin typeface="Cambria Math" panose="02040503050406030204" pitchFamily="18" charset="0"/>
+                      </a:rPr>
+                      <m:t>𝑂𝑢𝑡𝑝𝑢𝑡</m:t>
+                    </m:r>
+                    <m:r>
+                      <a:rPr lang="en-US" sz="1600" b="0" i="1" smtClean="0">
+                        <a:latin typeface="Cambria Math" panose="02040503050406030204" pitchFamily="18" charset="0"/>
+                      </a:rPr>
+                      <m:t> </m:t>
+                    </m:r>
+                    <m:r>
+                      <a:rPr lang="en-US" sz="1600" b="0" i="1" smtClean="0">
+                        <a:latin typeface="Cambria Math" panose="02040503050406030204" pitchFamily="18" charset="0"/>
+                      </a:rPr>
+                      <m:t>𝐺𝑎𝑡𝑒</m:t>
+                    </m:r>
+                  </m:oMath>
+                </a14:m>
+                <a:endParaRPr lang="en-US" sz="1600" b="0" dirty="0"/>
+              </a:p>
+              <a:p>
+                <a:pPr marL="285750" indent="-285750">
+                  <a:buFont typeface="Arial" panose="020B0604020202020204" pitchFamily="34" charset="0"/>
+                  <a:buChar char="•"/>
+                </a:pPr>
+                <a14:m>
+                  <m:oMath xmlns:m="http://schemas.openxmlformats.org/officeDocument/2006/math">
+                    <m:sSub>
+                      <m:sSubPr>
+                        <m:ctrlPr>
+                          <a:rPr lang="en-US" sz="1600" b="0" i="1" smtClean="0">
+                            <a:latin typeface="Cambria Math" panose="02040503050406030204" pitchFamily="18" charset="0"/>
+                          </a:rPr>
+                        </m:ctrlPr>
+                      </m:sSubPr>
+                      <m:e>
+                        <m:r>
+                          <a:rPr lang="en-US" sz="1600" b="0" i="1" smtClean="0">
+                            <a:latin typeface="Cambria Math" panose="02040503050406030204" pitchFamily="18" charset="0"/>
+                          </a:rPr>
+                          <m:t>𝑐</m:t>
+                        </m:r>
+                      </m:e>
+                      <m:sub>
+                        <m:r>
+                          <a:rPr lang="en-US" sz="1600" b="0" i="1" smtClean="0">
+                            <a:latin typeface="Cambria Math" panose="02040503050406030204" pitchFamily="18" charset="0"/>
+                          </a:rPr>
+                          <m:t>𝑡</m:t>
+                        </m:r>
+                      </m:sub>
+                    </m:sSub>
+                    <m:r>
+                      <a:rPr lang="en-US" sz="1600" b="0" i="1" smtClean="0">
+                        <a:latin typeface="Cambria Math" panose="02040503050406030204" pitchFamily="18" charset="0"/>
+                      </a:rPr>
+                      <m:t>=</m:t>
+                    </m:r>
+                    <m:r>
+                      <a:rPr lang="en-US" sz="1600" b="0" i="1" smtClean="0">
+                        <a:latin typeface="Cambria Math" panose="02040503050406030204" pitchFamily="18" charset="0"/>
+                      </a:rPr>
+                      <m:t>𝐶𝑒𝑙𝑙</m:t>
+                    </m:r>
+                    <m:r>
+                      <a:rPr lang="en-US" sz="1600" b="0" i="1" smtClean="0">
+                        <a:latin typeface="Cambria Math" panose="02040503050406030204" pitchFamily="18" charset="0"/>
+                      </a:rPr>
+                      <m:t> </m:t>
+                    </m:r>
+                    <m:r>
+                      <a:rPr lang="en-US" sz="1600" b="0" i="1" smtClean="0">
+                        <a:latin typeface="Cambria Math" panose="02040503050406030204" pitchFamily="18" charset="0"/>
+                      </a:rPr>
+                      <m:t>𝑆𝑡𝑎𝑡𝑒</m:t>
+                    </m:r>
+                  </m:oMath>
+                </a14:m>
+                <a:endParaRPr lang="en-US" sz="1600" b="0" dirty="0"/>
+              </a:p>
+              <a:p>
+                <a:pPr marL="285750" indent="-285750">
+                  <a:buFont typeface="Arial" panose="020B0604020202020204" pitchFamily="34" charset="0"/>
+                  <a:buChar char="•"/>
+                </a:pPr>
+                <a14:m>
+                  <m:oMath xmlns:m="http://schemas.openxmlformats.org/officeDocument/2006/math">
+                    <m:sSub>
+                      <m:sSubPr>
+                        <m:ctrlPr>
+                          <a:rPr lang="en-US" sz="1600" b="0" i="1" smtClean="0">
+                            <a:latin typeface="Cambria Math" panose="02040503050406030204" pitchFamily="18" charset="0"/>
+                          </a:rPr>
+                        </m:ctrlPr>
+                      </m:sSubPr>
+                      <m:e>
+                        <m:r>
+                          <a:rPr lang="en-US" sz="1600" b="0" i="1" smtClean="0">
+                            <a:latin typeface="Cambria Math" panose="02040503050406030204" pitchFamily="18" charset="0"/>
+                          </a:rPr>
+                          <m:t>h</m:t>
+                        </m:r>
+                      </m:e>
+                      <m:sub>
+                        <m:r>
+                          <a:rPr lang="en-US" sz="1600" b="0" i="1" smtClean="0">
+                            <a:latin typeface="Cambria Math" panose="02040503050406030204" pitchFamily="18" charset="0"/>
+                          </a:rPr>
+                          <m:t>𝑡</m:t>
+                        </m:r>
+                      </m:sub>
+                    </m:sSub>
+                    <m:r>
+                      <a:rPr lang="en-US" sz="1600" b="0" i="1" smtClean="0">
+                        <a:latin typeface="Cambria Math" panose="02040503050406030204" pitchFamily="18" charset="0"/>
+                      </a:rPr>
+                      <m:t>=</m:t>
+                    </m:r>
+                    <m:r>
+                      <a:rPr lang="en-US" sz="1600" b="0" i="1" smtClean="0">
+                        <a:latin typeface="Cambria Math" panose="02040503050406030204" pitchFamily="18" charset="0"/>
+                      </a:rPr>
+                      <m:t>𝐻𝑖𝑑𝑑𝑒𝑛</m:t>
+                    </m:r>
+                    <m:r>
+                      <a:rPr lang="en-US" sz="1600" b="0" i="1" smtClean="0">
+                        <a:latin typeface="Cambria Math" panose="02040503050406030204" pitchFamily="18" charset="0"/>
+                      </a:rPr>
+                      <m:t> </m:t>
+                    </m:r>
+                    <m:r>
+                      <a:rPr lang="en-US" sz="1600" b="0" i="1" smtClean="0">
+                        <a:latin typeface="Cambria Math" panose="02040503050406030204" pitchFamily="18" charset="0"/>
+                      </a:rPr>
+                      <m:t>𝑆𝑡𝑎𝑡𝑒</m:t>
+                    </m:r>
+                  </m:oMath>
+                </a14:m>
+                <a:endParaRPr lang="en-US" sz="1600" b="0" dirty="0"/>
+              </a:p>
+              <a:p>
+                <a:pPr marL="285750" indent="-285750">
+                  <a:buFont typeface="Arial" panose="020B0604020202020204" pitchFamily="34" charset="0"/>
+                  <a:buChar char="•"/>
+                </a:pPr>
+                <a14:m>
+                  <m:oMath xmlns:m="http://schemas.openxmlformats.org/officeDocument/2006/math">
+                    <m:sSub>
+                      <m:sSubPr>
+                        <m:ctrlPr>
+                          <a:rPr lang="en-US" sz="1600" b="0" i="1" smtClean="0">
+                            <a:latin typeface="Cambria Math" panose="02040503050406030204" pitchFamily="18" charset="0"/>
+                          </a:rPr>
+                        </m:ctrlPr>
+                      </m:sSubPr>
+                      <m:e>
+                        <m:r>
+                          <a:rPr lang="en-US" sz="1600" b="0" i="1" smtClean="0">
+                            <a:latin typeface="Cambria Math" panose="02040503050406030204" pitchFamily="18" charset="0"/>
+                          </a:rPr>
+                          <m:t>𝐶</m:t>
+                        </m:r>
+                      </m:e>
+                      <m:sub>
+                        <m:r>
+                          <a:rPr lang="en-US" sz="1600" b="0" i="1" smtClean="0">
+                            <a:latin typeface="Cambria Math" panose="02040503050406030204" pitchFamily="18" charset="0"/>
+                          </a:rPr>
+                          <m:t>𝑡</m:t>
+                        </m:r>
+                      </m:sub>
+                    </m:sSub>
+                    <m:r>
+                      <a:rPr lang="en-US" sz="1600" b="0" i="1" smtClean="0">
+                        <a:latin typeface="Cambria Math" panose="02040503050406030204" pitchFamily="18" charset="0"/>
+                      </a:rPr>
+                      <m:t>=</m:t>
+                    </m:r>
+                    <m:r>
+                      <a:rPr lang="en-US" sz="1600" b="0" i="1" smtClean="0">
+                        <a:latin typeface="Cambria Math" panose="02040503050406030204" pitchFamily="18" charset="0"/>
+                      </a:rPr>
+                      <m:t>𝐶𝑎𝑛𝑑𝑖𝑑𝑎𝑡𝑒</m:t>
+                    </m:r>
+                    <m:r>
+                      <a:rPr lang="en-US" sz="1600" b="0" i="1" smtClean="0">
+                        <a:latin typeface="Cambria Math" panose="02040503050406030204" pitchFamily="18" charset="0"/>
+                      </a:rPr>
+                      <m:t> </m:t>
+                    </m:r>
+                    <m:r>
+                      <a:rPr lang="en-US" sz="1600" b="0" i="1" smtClean="0">
+                        <a:latin typeface="Cambria Math" panose="02040503050406030204" pitchFamily="18" charset="0"/>
+                      </a:rPr>
+                      <m:t>𝑉𝑎𝑙𝑢𝑒𝑠</m:t>
+                    </m:r>
+                  </m:oMath>
+                </a14:m>
+                <a:endParaRPr lang="en-US" sz="1600" b="0" dirty="0"/>
+              </a:p>
+              <a:p>
+                <a:pPr marL="285750" indent="-285750">
+                  <a:buFont typeface="Arial" panose="020B0604020202020204" pitchFamily="34" charset="0"/>
+                  <a:buChar char="•"/>
+                </a:pPr>
+                <a:endParaRPr lang="en-US" sz="1600" b="0" dirty="0"/>
+              </a:p>
+            </p:txBody>
+          </p:sp>
+        </mc:Choice>
+        <mc:Fallback>
+          <p:sp>
+            <p:nvSpPr>
+              <p:cNvPr id="3" name="TextBox 2">
                 <a:extLst>
                   <a:ext uri="{FF2B5EF4-FFF2-40B4-BE49-F238E27FC236}">
-                    <a16:creationId xmlns:a16="http://schemas.microsoft.com/office/drawing/2014/main" id="{4DE4FA0D-DF10-26B8-F09C-F1BF6EC5DF22}"/>
-                  </a:ext>
-                </a:extLst>
-              </p14:cNvPr>
-              <p14:cNvContentPartPr/>
-              <p14:nvPr/>
-            </p14:nvContentPartPr>
-            <p14:xfrm>
-              <a:off x="5887895" y="1479221"/>
-              <a:ext cx="784080" cy="908640"/>
-            </p14:xfrm>
-          </p:contentPart>
-        </mc:Choice>
-        <mc:Fallback>
-          <p:pic>
-            <p:nvPicPr>
-              <p:cNvPr id="16" name="Ink 15">
-                <a:extLst>
-                  <a:ext uri="{FF2B5EF4-FFF2-40B4-BE49-F238E27FC236}">
-                    <a16:creationId xmlns:a16="http://schemas.microsoft.com/office/drawing/2014/main" id="{4DE4FA0D-DF10-26B8-F09C-F1BF6EC5DF22}"/>
+                    <a16:creationId xmlns:a16="http://schemas.microsoft.com/office/drawing/2014/main" id="{EE5A299C-7017-4F09-8CCF-BD7346D72ED5}"/>
                   </a:ext>
                 </a:extLst>
               </p:cNvPr>
-              <p:cNvPicPr/>
+              <p:cNvSpPr txBox="1">
+                <a:spLocks noRot="1" noChangeAspect="1" noMove="1" noResize="1" noEditPoints="1" noAdjustHandles="1" noChangeArrowheads="1" noChangeShapeType="1" noTextEdit="1"/>
+              </p:cNvSpPr>
               <p:nvPr/>
-            </p:nvPicPr>
-            <p:blipFill>
-              <a:blip r:embed="rId8"/>
-              <a:stretch>
-                <a:fillRect/>
-              </a:stretch>
-            </p:blipFill>
+            </p:nvSpPr>
             <p:spPr>
               <a:xfrm>
-                <a:off x="5879255" y="1470221"/>
-                <a:ext cx="801720" cy="926280"/>
+                <a:off x="8653110" y="5168490"/>
+                <a:ext cx="2573691" cy="1815882"/>
               </a:xfrm>
               <a:prstGeom prst="rect">
                 <a:avLst/>
               </a:prstGeom>
+              <a:blipFill>
+                <a:blip r:embed="rId5"/>
+                <a:stretch>
+                  <a:fillRect l="-946"/>
+                </a:stretch>
+              </a:blipFill>
             </p:spPr>
-          </p:pic>
+            <p:txBody>
+              <a:bodyPr/>
+              <a:lstStyle/>
+              <a:p>
+                <a:r>
+                  <a:rPr lang="en-US">
+                    <a:noFill/>
+                  </a:rPr>
+                  <a:t> </a:t>
+                </a:r>
+              </a:p>
+            </p:txBody>
+          </p:sp>
         </mc:Fallback>
       </mc:AlternateContent>
-      <mc:AlternateContent xmlns:mc="http://schemas.openxmlformats.org/markup-compatibility/2006">
-        <mc:Choice xmlns:p14="http://schemas.microsoft.com/office/powerpoint/2010/main" Requires="p14">
-          <p:contentPart p14:bwMode="auto" r:id="rId9">
-            <p14:nvContentPartPr>
-              <p14:cNvPr id="17" name="Ink 16">
-                <a:extLst>
-                  <a:ext uri="{FF2B5EF4-FFF2-40B4-BE49-F238E27FC236}">
-                    <a16:creationId xmlns:a16="http://schemas.microsoft.com/office/drawing/2014/main" id="{30B1CCF9-C822-DC53-51F5-314C59F91A14}"/>
-                  </a:ext>
-                </a:extLst>
-              </p14:cNvPr>
-              <p14:cNvContentPartPr/>
-              <p14:nvPr/>
-            </p14:nvContentPartPr>
-            <p14:xfrm>
-              <a:off x="5397215" y="959381"/>
-              <a:ext cx="1446480" cy="456120"/>
-            </p14:xfrm>
-          </p:contentPart>
-        </mc:Choice>
-        <mc:Fallback>
-          <p:pic>
-            <p:nvPicPr>
-              <p:cNvPr id="17" name="Ink 16">
-                <a:extLst>
-                  <a:ext uri="{FF2B5EF4-FFF2-40B4-BE49-F238E27FC236}">
-                    <a16:creationId xmlns:a16="http://schemas.microsoft.com/office/drawing/2014/main" id="{30B1CCF9-C822-DC53-51F5-314C59F91A14}"/>
-                  </a:ext>
-                </a:extLst>
-              </p:cNvPr>
-              <p:cNvPicPr/>
-              <p:nvPr/>
-            </p:nvPicPr>
-            <p:blipFill>
-              <a:blip r:embed="rId10"/>
-              <a:stretch>
-                <a:fillRect/>
-              </a:stretch>
-            </p:blipFill>
-            <p:spPr>
-              <a:xfrm>
-                <a:off x="5388575" y="950741"/>
-                <a:ext cx="1464120" cy="473760"/>
-              </a:xfrm>
-              <a:prstGeom prst="rect">
-                <a:avLst/>
-              </a:prstGeom>
-            </p:spPr>
-          </p:pic>
-        </mc:Fallback>
-      </mc:AlternateContent>
-      <mc:AlternateContent xmlns:mc="http://schemas.openxmlformats.org/markup-compatibility/2006">
-        <mc:Choice xmlns:p14="http://schemas.microsoft.com/office/powerpoint/2010/main" Requires="p14">
-          <p:contentPart p14:bwMode="auto" r:id="rId11">
-            <p14:nvContentPartPr>
-              <p14:cNvPr id="18" name="Ink 17">
-                <a:extLst>
-                  <a:ext uri="{FF2B5EF4-FFF2-40B4-BE49-F238E27FC236}">
-                    <a16:creationId xmlns:a16="http://schemas.microsoft.com/office/drawing/2014/main" id="{1D2C049C-DD19-79B8-27DD-32254FFD5E57}"/>
-                  </a:ext>
-                </a:extLst>
-              </p14:cNvPr>
-              <p14:cNvContentPartPr/>
-              <p14:nvPr/>
-            </p14:nvContentPartPr>
-            <p14:xfrm>
-              <a:off x="6696455" y="952541"/>
-              <a:ext cx="804600" cy="1389600"/>
-            </p14:xfrm>
-          </p:contentPart>
-        </mc:Choice>
-        <mc:Fallback>
-          <p:pic>
-            <p:nvPicPr>
-              <p:cNvPr id="18" name="Ink 17">
-                <a:extLst>
-                  <a:ext uri="{FF2B5EF4-FFF2-40B4-BE49-F238E27FC236}">
-                    <a16:creationId xmlns:a16="http://schemas.microsoft.com/office/drawing/2014/main" id="{1D2C049C-DD19-79B8-27DD-32254FFD5E57}"/>
-                  </a:ext>
-                </a:extLst>
-              </p:cNvPr>
-              <p:cNvPicPr/>
-              <p:nvPr/>
-            </p:nvPicPr>
-            <p:blipFill>
-              <a:blip r:embed="rId12"/>
-              <a:stretch>
-                <a:fillRect/>
-              </a:stretch>
-            </p:blipFill>
-            <p:spPr>
-              <a:xfrm>
-                <a:off x="6687815" y="943541"/>
-                <a:ext cx="822240" cy="1407240"/>
-              </a:xfrm>
-              <a:prstGeom prst="rect">
-                <a:avLst/>
-              </a:prstGeom>
-            </p:spPr>
-          </p:pic>
-        </mc:Fallback>
-      </mc:AlternateContent>
+      <p:sp>
+        <p:nvSpPr>
+          <p:cNvPr id="4" name="TextBox 3">
+            <a:extLst>
+              <a:ext uri="{FF2B5EF4-FFF2-40B4-BE49-F238E27FC236}">
+                <a16:creationId xmlns:a16="http://schemas.microsoft.com/office/drawing/2014/main" id="{57693EA9-15D5-4958-5AE9-350AEF1502A7}"/>
+              </a:ext>
+            </a:extLst>
+          </p:cNvPr>
+          <p:cNvSpPr txBox="1"/>
+          <p:nvPr/>
+        </p:nvSpPr>
+        <p:spPr>
+          <a:xfrm>
+            <a:off x="8956969" y="6312784"/>
+            <a:ext cx="298383" cy="276999"/>
+          </a:xfrm>
+          <a:prstGeom prst="rect">
+            <a:avLst/>
+          </a:prstGeom>
+          <a:noFill/>
+        </p:spPr>
+        <p:txBody>
+          <a:bodyPr wrap="square" rtlCol="0">
+            <a:spAutoFit/>
+          </a:bodyPr>
+          <a:lstStyle/>
+          <a:p>
+            <a:r>
+              <a:rPr lang="en-US" sz="1200"/>
+              <a:t>~</a:t>
+            </a:r>
+            <a:endParaRPr lang="en-US" sz="1200" dirty="0"/>
+          </a:p>
+        </p:txBody>
+      </p:sp>
+      <p:sp>
+        <p:nvSpPr>
+          <p:cNvPr id="19" name="TextBox 18">
+            <a:extLst>
+              <a:ext uri="{FF2B5EF4-FFF2-40B4-BE49-F238E27FC236}">
+                <a16:creationId xmlns:a16="http://schemas.microsoft.com/office/drawing/2014/main" id="{56CB0768-4E7F-635B-0645-483E6C960030}"/>
+              </a:ext>
+            </a:extLst>
+          </p:cNvPr>
+          <p:cNvSpPr txBox="1"/>
+          <p:nvPr/>
+        </p:nvSpPr>
+        <p:spPr>
+          <a:xfrm>
+            <a:off x="3051209" y="3309304"/>
+            <a:ext cx="6102416" cy="369332"/>
+          </a:xfrm>
+          <a:prstGeom prst="rect">
+            <a:avLst/>
+          </a:prstGeom>
+          <a:noFill/>
+        </p:spPr>
+        <p:txBody>
+          <a:bodyPr wrap="square">
+            <a:spAutoFit/>
+          </a:bodyPr>
+          <a:lstStyle/>
+          <a:p>
+            <a:r>
+              <a:rPr lang="en-US" sz="1800" dirty="0"/>
+              <a:t>~</a:t>
+            </a:r>
+          </a:p>
+        </p:txBody>
+      </p:sp>
     </p:spTree>
     <p:extLst>
       <p:ext uri="{BB962C8B-B14F-4D97-AF65-F5344CB8AC3E}">

--- a/Cryptocurrency AI.pptx
+++ b/Cryptocurrency AI.pptx
@@ -5,7 +5,7 @@
     <p:sldMasterId id="2147483660" r:id="rId1"/>
   </p:sldMasterIdLst>
   <p:notesMasterIdLst>
-    <p:notesMasterId r:id="rId15"/>
+    <p:notesMasterId r:id="rId16"/>
   </p:notesMasterIdLst>
   <p:sldIdLst>
     <p:sldId id="256" r:id="rId2"/>
@@ -20,7 +20,8 @@
     <p:sldId id="265" r:id="rId11"/>
     <p:sldId id="266" r:id="rId12"/>
     <p:sldId id="267" r:id="rId13"/>
-    <p:sldId id="268" r:id="rId14"/>
+    <p:sldId id="269" r:id="rId14"/>
+    <p:sldId id="268" r:id="rId15"/>
   </p:sldIdLst>
   <p:sldSz cx="12192000" cy="6858000"/>
   <p:notesSz cx="6858000" cy="9144000"/>
@@ -209,7 +210,7 @@
           <a:p>
             <a:fld id="{65D2DAED-09F0-4567-8578-BD9D4F39EA54}" type="datetimeFigureOut">
               <a:rPr lang="en-US" smtClean="0"/>
-              <a:t>5/4/2022</a:t>
+              <a:t>5/5/2022</a:t>
             </a:fld>
             <a:endParaRPr lang="en-US"/>
           </a:p>
@@ -520,6 +521,52 @@
           <a:bodyPr/>
           <a:lstStyle/>
           <a:p>
+            <a:r>
+              <a:rPr lang="en-US" dirty="0"/>
+              <a:t>Vanishing gradient = when the gradient approaches deeper levels the value approaches 0 </a:t>
+            </a:r>
+          </a:p>
+          <a:p>
+            <a:r>
+              <a:rPr lang="en-US" dirty="0"/>
+              <a:t>Exploding gradient = when the gradient approaches deeper levels the value explodes past 1 </a:t>
+            </a:r>
+          </a:p>
+          <a:p>
+            <a:r>
+              <a:rPr lang="en-US" dirty="0"/>
+              <a:t>If want to add “</a:t>
+            </a:r>
+            <a:r>
+              <a:rPr lang="en-US" b="0" i="0" dirty="0">
+                <a:solidFill>
+                  <a:srgbClr val="333333"/>
+                </a:solidFill>
+                <a:effectLst/>
+                <a:latin typeface="CMS"/>
+              </a:rPr>
+              <a:t>I grew up in France… I speak fluent </a:t>
+            </a:r>
+            <a:r>
+              <a:rPr lang="en-US" b="0" i="1" dirty="0">
+                <a:solidFill>
+                  <a:srgbClr val="333333"/>
+                </a:solidFill>
+                <a:effectLst/>
+                <a:latin typeface="CMS"/>
+              </a:rPr>
+              <a:t>French” </a:t>
+            </a:r>
+            <a:r>
+              <a:rPr lang="en-US" b="0" i="0" dirty="0">
+                <a:solidFill>
+                  <a:srgbClr val="333333"/>
+                </a:solidFill>
+                <a:effectLst/>
+                <a:latin typeface="CMS"/>
+              </a:rPr>
+              <a:t> in a 20 word sentence </a:t>
+            </a:r>
             <a:endParaRPr lang="en-US" dirty="0"/>
           </a:p>
         </p:txBody>
@@ -541,7 +588,7 @@
           <a:p>
             <a:fld id="{00A965FA-8050-4A25-BCCF-867D9A4F8752}" type="slidenum">
               <a:rPr lang="en-US" smtClean="0"/>
-              <a:t>6</a:t>
+              <a:t>4</a:t>
             </a:fld>
             <a:endParaRPr lang="en-US"/>
           </a:p>
@@ -550,7 +597,7 @@
     </p:spTree>
     <p:extLst>
       <p:ext uri="{BB962C8B-B14F-4D97-AF65-F5344CB8AC3E}">
-        <p14:creationId xmlns:p14="http://schemas.microsoft.com/office/powerpoint/2010/main" val="4074770932"/>
+        <p14:creationId xmlns:p14="http://schemas.microsoft.com/office/powerpoint/2010/main" val="679173495"/>
       </p:ext>
     </p:extLst>
   </p:cSld>
@@ -604,6 +651,90 @@
           <a:bodyPr/>
           <a:lstStyle/>
           <a:p>
+            <a:endParaRPr lang="en-US" dirty="0"/>
+          </a:p>
+        </p:txBody>
+      </p:sp>
+      <p:sp>
+        <p:nvSpPr>
+          <p:cNvPr id="4" name="Slide Number Placeholder 3"/>
+          <p:cNvSpPr>
+            <a:spLocks noGrp="1"/>
+          </p:cNvSpPr>
+          <p:nvPr>
+            <p:ph type="sldNum" sz="quarter" idx="5"/>
+          </p:nvPr>
+        </p:nvSpPr>
+        <p:spPr/>
+        <p:txBody>
+          <a:bodyPr/>
+          <a:lstStyle/>
+          <a:p>
+            <a:fld id="{00A965FA-8050-4A25-BCCF-867D9A4F8752}" type="slidenum">
+              <a:rPr lang="en-US" smtClean="0"/>
+              <a:t>6</a:t>
+            </a:fld>
+            <a:endParaRPr lang="en-US"/>
+          </a:p>
+        </p:txBody>
+      </p:sp>
+    </p:spTree>
+    <p:extLst>
+      <p:ext uri="{BB962C8B-B14F-4D97-AF65-F5344CB8AC3E}">
+        <p14:creationId xmlns:p14="http://schemas.microsoft.com/office/powerpoint/2010/main" val="4074770932"/>
+      </p:ext>
+    </p:extLst>
+  </p:cSld>
+  <p:clrMapOvr>
+    <a:masterClrMapping/>
+  </p:clrMapOvr>
+</p:notes>
+</file>
+
+<file path=ppt/notesSlides/notesSlide3.xml><?xml version="1.0" encoding="utf-8"?>
+<p:notes xmlns:a="http://schemas.openxmlformats.org/drawingml/2006/main" xmlns:r="http://schemas.openxmlformats.org/officeDocument/2006/relationships" xmlns:p="http://schemas.openxmlformats.org/presentationml/2006/main">
+  <p:cSld>
+    <p:spTree>
+      <p:nvGrpSpPr>
+        <p:cNvPr id="1" name=""/>
+        <p:cNvGrpSpPr/>
+        <p:nvPr/>
+      </p:nvGrpSpPr>
+      <p:grpSpPr>
+        <a:xfrm>
+          <a:off x="0" y="0"/>
+          <a:ext cx="0" cy="0"/>
+          <a:chOff x="0" y="0"/>
+          <a:chExt cx="0" cy="0"/>
+        </a:xfrm>
+      </p:grpSpPr>
+      <p:sp>
+        <p:nvSpPr>
+          <p:cNvPr id="2" name="Slide Image Placeholder 1"/>
+          <p:cNvSpPr>
+            <a:spLocks noGrp="1" noRot="1" noChangeAspect="1"/>
+          </p:cNvSpPr>
+          <p:nvPr>
+            <p:ph type="sldImg"/>
+          </p:nvPr>
+        </p:nvSpPr>
+        <p:spPr/>
+      </p:sp>
+      <p:sp>
+        <p:nvSpPr>
+          <p:cNvPr id="3" name="Notes Placeholder 2"/>
+          <p:cNvSpPr>
+            <a:spLocks noGrp="1"/>
+          </p:cNvSpPr>
+          <p:nvPr>
+            <p:ph type="body" idx="1"/>
+          </p:nvPr>
+        </p:nvSpPr>
+        <p:spPr/>
+        <p:txBody>
+          <a:bodyPr/>
+          <a:lstStyle/>
+          <a:p>
             <a:pPr marL="0" marR="0" lvl="0" indent="0" algn="l" defTabSz="914400" rtl="0" eaLnBrk="1" fontAlgn="auto" latinLnBrk="0" hangingPunct="1">
               <a:lnSpc>
                 <a:spcPct val="100000"/>
@@ -742,6 +873,191 @@
     <p:extLst>
       <p:ext uri="{BB962C8B-B14F-4D97-AF65-F5344CB8AC3E}">
         <p14:creationId xmlns:p14="http://schemas.microsoft.com/office/powerpoint/2010/main" val="1416956812"/>
+      </p:ext>
+    </p:extLst>
+  </p:cSld>
+  <p:clrMapOvr>
+    <a:masterClrMapping/>
+  </p:clrMapOvr>
+</p:notes>
+</file>
+
+<file path=ppt/notesSlides/notesSlide4.xml><?xml version="1.0" encoding="utf-8"?>
+<p:notes xmlns:a="http://schemas.openxmlformats.org/drawingml/2006/main" xmlns:r="http://schemas.openxmlformats.org/officeDocument/2006/relationships" xmlns:p="http://schemas.openxmlformats.org/presentationml/2006/main">
+  <p:cSld>
+    <p:spTree>
+      <p:nvGrpSpPr>
+        <p:cNvPr id="1" name=""/>
+        <p:cNvGrpSpPr/>
+        <p:nvPr/>
+      </p:nvGrpSpPr>
+      <p:grpSpPr>
+        <a:xfrm>
+          <a:off x="0" y="0"/>
+          <a:ext cx="0" cy="0"/>
+          <a:chOff x="0" y="0"/>
+          <a:chExt cx="0" cy="0"/>
+        </a:xfrm>
+      </p:grpSpPr>
+      <p:sp>
+        <p:nvSpPr>
+          <p:cNvPr id="2" name="Slide Image Placeholder 1"/>
+          <p:cNvSpPr>
+            <a:spLocks noGrp="1" noRot="1" noChangeAspect="1"/>
+          </p:cNvSpPr>
+          <p:nvPr>
+            <p:ph type="sldImg"/>
+          </p:nvPr>
+        </p:nvSpPr>
+        <p:spPr/>
+      </p:sp>
+      <p:sp>
+        <p:nvSpPr>
+          <p:cNvPr id="3" name="Notes Placeholder 2"/>
+          <p:cNvSpPr>
+            <a:spLocks noGrp="1"/>
+          </p:cNvSpPr>
+          <p:nvPr>
+            <p:ph type="body" idx="1"/>
+          </p:nvPr>
+        </p:nvSpPr>
+        <p:spPr/>
+        <p:txBody>
+          <a:bodyPr/>
+          <a:lstStyle/>
+          <a:p>
+            <a:r>
+              <a:rPr lang="en-US" dirty="0"/>
+              <a:t>Model 1.0 does not have the dropouts</a:t>
+            </a:r>
+          </a:p>
+          <a:p>
+            <a:r>
+              <a:rPr lang="en-US" dirty="0"/>
+              <a:t>Model 1.1 does</a:t>
+            </a:r>
+          </a:p>
+        </p:txBody>
+      </p:sp>
+      <p:sp>
+        <p:nvSpPr>
+          <p:cNvPr id="4" name="Slide Number Placeholder 3"/>
+          <p:cNvSpPr>
+            <a:spLocks noGrp="1"/>
+          </p:cNvSpPr>
+          <p:nvPr>
+            <p:ph type="sldNum" sz="quarter" idx="5"/>
+          </p:nvPr>
+        </p:nvSpPr>
+        <p:spPr/>
+        <p:txBody>
+          <a:bodyPr/>
+          <a:lstStyle/>
+          <a:p>
+            <a:fld id="{00A965FA-8050-4A25-BCCF-867D9A4F8752}" type="slidenum">
+              <a:rPr lang="en-US" smtClean="0"/>
+              <a:t>10</a:t>
+            </a:fld>
+            <a:endParaRPr lang="en-US"/>
+          </a:p>
+        </p:txBody>
+      </p:sp>
+    </p:spTree>
+    <p:extLst>
+      <p:ext uri="{BB962C8B-B14F-4D97-AF65-F5344CB8AC3E}">
+        <p14:creationId xmlns:p14="http://schemas.microsoft.com/office/powerpoint/2010/main" val="3940933064"/>
+      </p:ext>
+    </p:extLst>
+  </p:cSld>
+  <p:clrMapOvr>
+    <a:masterClrMapping/>
+  </p:clrMapOvr>
+</p:notes>
+</file>
+
+<file path=ppt/notesSlides/notesSlide5.xml><?xml version="1.0" encoding="utf-8"?>
+<p:notes xmlns:a="http://schemas.openxmlformats.org/drawingml/2006/main" xmlns:r="http://schemas.openxmlformats.org/officeDocument/2006/relationships" xmlns:p="http://schemas.openxmlformats.org/presentationml/2006/main">
+  <p:cSld>
+    <p:spTree>
+      <p:nvGrpSpPr>
+        <p:cNvPr id="1" name=""/>
+        <p:cNvGrpSpPr/>
+        <p:nvPr/>
+      </p:nvGrpSpPr>
+      <p:grpSpPr>
+        <a:xfrm>
+          <a:off x="0" y="0"/>
+          <a:ext cx="0" cy="0"/>
+          <a:chOff x="0" y="0"/>
+          <a:chExt cx="0" cy="0"/>
+        </a:xfrm>
+      </p:grpSpPr>
+      <p:sp>
+        <p:nvSpPr>
+          <p:cNvPr id="2" name="Slide Image Placeholder 1"/>
+          <p:cNvSpPr>
+            <a:spLocks noGrp="1" noRot="1" noChangeAspect="1"/>
+          </p:cNvSpPr>
+          <p:nvPr>
+            <p:ph type="sldImg"/>
+          </p:nvPr>
+        </p:nvSpPr>
+        <p:spPr/>
+      </p:sp>
+      <p:sp>
+        <p:nvSpPr>
+          <p:cNvPr id="3" name="Notes Placeholder 2"/>
+          <p:cNvSpPr>
+            <a:spLocks noGrp="1"/>
+          </p:cNvSpPr>
+          <p:nvPr>
+            <p:ph type="body" idx="1"/>
+          </p:nvPr>
+        </p:nvSpPr>
+        <p:spPr/>
+        <p:txBody>
+          <a:bodyPr/>
+          <a:lstStyle/>
+          <a:p>
+            <a:r>
+              <a:rPr lang="en-US" dirty="0"/>
+              <a:t>Outsider’s </a:t>
+            </a:r>
+            <a:r>
+              <a:rPr lang="en-US"/>
+              <a:t>perspective our CSC</a:t>
+            </a:r>
+            <a:endParaRPr lang="en-US" dirty="0"/>
+          </a:p>
+        </p:txBody>
+      </p:sp>
+      <p:sp>
+        <p:nvSpPr>
+          <p:cNvPr id="4" name="Slide Number Placeholder 3"/>
+          <p:cNvSpPr>
+            <a:spLocks noGrp="1"/>
+          </p:cNvSpPr>
+          <p:nvPr>
+            <p:ph type="sldNum" sz="quarter" idx="5"/>
+          </p:nvPr>
+        </p:nvSpPr>
+        <p:spPr/>
+        <p:txBody>
+          <a:bodyPr/>
+          <a:lstStyle/>
+          <a:p>
+            <a:fld id="{00A965FA-8050-4A25-BCCF-867D9A4F8752}" type="slidenum">
+              <a:rPr lang="en-US" smtClean="0"/>
+              <a:t>13</a:t>
+            </a:fld>
+            <a:endParaRPr lang="en-US"/>
+          </a:p>
+        </p:txBody>
+      </p:sp>
+    </p:spTree>
+    <p:extLst>
+      <p:ext uri="{BB962C8B-B14F-4D97-AF65-F5344CB8AC3E}">
+        <p14:creationId xmlns:p14="http://schemas.microsoft.com/office/powerpoint/2010/main" val="597650836"/>
       </p:ext>
     </p:extLst>
   </p:cSld>
@@ -919,7 +1235,7 @@
           <a:p>
             <a:fld id="{EE8112B2-8EAE-4615-BDBB-EAA5BAE8CD29}" type="datetimeFigureOut">
               <a:rPr lang="en-US" smtClean="0"/>
-              <a:t>5/4/2022</a:t>
+              <a:t>5/5/2022</a:t>
             </a:fld>
             <a:endParaRPr lang="en-US"/>
           </a:p>
@@ -1147,7 +1463,7 @@
           <a:p>
             <a:fld id="{EE8112B2-8EAE-4615-BDBB-EAA5BAE8CD29}" type="datetimeFigureOut">
               <a:rPr lang="en-US" smtClean="0"/>
-              <a:t>5/4/2022</a:t>
+              <a:t>5/5/2022</a:t>
             </a:fld>
             <a:endParaRPr lang="en-US"/>
           </a:p>
@@ -1327,7 +1643,7 @@
           <a:p>
             <a:fld id="{EE8112B2-8EAE-4615-BDBB-EAA5BAE8CD29}" type="datetimeFigureOut">
               <a:rPr lang="en-US" smtClean="0"/>
-              <a:t>5/4/2022</a:t>
+              <a:t>5/5/2022</a:t>
             </a:fld>
             <a:endParaRPr lang="en-US"/>
           </a:p>
@@ -1497,7 +1813,7 @@
           <a:p>
             <a:fld id="{EE8112B2-8EAE-4615-BDBB-EAA5BAE8CD29}" type="datetimeFigureOut">
               <a:rPr lang="en-US" smtClean="0"/>
-              <a:t>5/4/2022</a:t>
+              <a:t>5/5/2022</a:t>
             </a:fld>
             <a:endParaRPr lang="en-US"/>
           </a:p>
@@ -1751,7 +2067,7 @@
           <a:p>
             <a:fld id="{EE8112B2-8EAE-4615-BDBB-EAA5BAE8CD29}" type="datetimeFigureOut">
               <a:rPr lang="en-US" smtClean="0"/>
-              <a:t>5/4/2022</a:t>
+              <a:t>5/5/2022</a:t>
             </a:fld>
             <a:endParaRPr lang="en-US"/>
           </a:p>
@@ -2077,7 +2393,7 @@
           <a:p>
             <a:fld id="{EE8112B2-8EAE-4615-BDBB-EAA5BAE8CD29}" type="datetimeFigureOut">
               <a:rPr lang="en-US" smtClean="0"/>
-              <a:t>5/4/2022</a:t>
+              <a:t>5/5/2022</a:t>
             </a:fld>
             <a:endParaRPr lang="en-US"/>
           </a:p>
@@ -2528,7 +2844,7 @@
           <a:p>
             <a:fld id="{EE8112B2-8EAE-4615-BDBB-EAA5BAE8CD29}" type="datetimeFigureOut">
               <a:rPr lang="en-US" smtClean="0"/>
-              <a:t>5/4/2022</a:t>
+              <a:t>5/5/2022</a:t>
             </a:fld>
             <a:endParaRPr lang="en-US"/>
           </a:p>
@@ -2646,7 +2962,7 @@
           <a:p>
             <a:fld id="{EE8112B2-8EAE-4615-BDBB-EAA5BAE8CD29}" type="datetimeFigureOut">
               <a:rPr lang="en-US" smtClean="0"/>
-              <a:t>5/4/2022</a:t>
+              <a:t>5/5/2022</a:t>
             </a:fld>
             <a:endParaRPr lang="en-US"/>
           </a:p>
@@ -2741,7 +3057,7 @@
           <a:p>
             <a:fld id="{EE8112B2-8EAE-4615-BDBB-EAA5BAE8CD29}" type="datetimeFigureOut">
               <a:rPr lang="en-US" smtClean="0"/>
-              <a:t>5/4/2022</a:t>
+              <a:t>5/5/2022</a:t>
             </a:fld>
             <a:endParaRPr lang="en-US"/>
           </a:p>
@@ -3028,7 +3344,7 @@
           <a:p>
             <a:fld id="{EE8112B2-8EAE-4615-BDBB-EAA5BAE8CD29}" type="datetimeFigureOut">
               <a:rPr lang="en-US" smtClean="0"/>
-              <a:t>5/4/2022</a:t>
+              <a:t>5/5/2022</a:t>
             </a:fld>
             <a:endParaRPr lang="en-US"/>
           </a:p>
@@ -3350,7 +3666,7 @@
           <a:p>
             <a:fld id="{EE8112B2-8EAE-4615-BDBB-EAA5BAE8CD29}" type="datetimeFigureOut">
               <a:rPr lang="en-US" smtClean="0"/>
-              <a:t>5/4/2022</a:t>
+              <a:t>5/5/2022</a:t>
             </a:fld>
             <a:endParaRPr lang="en-US"/>
           </a:p>
@@ -3604,7 +3920,7 @@
           <a:p>
             <a:fld id="{EE8112B2-8EAE-4615-BDBB-EAA5BAE8CD29}" type="datetimeFigureOut">
               <a:rPr lang="en-US" smtClean="0"/>
-              <a:t>5/4/2022</a:t>
+              <a:t>5/5/2022</a:t>
             </a:fld>
             <a:endParaRPr lang="en-US"/>
           </a:p>
@@ -4227,13 +4543,13 @@
           </p:nvPr>
         </p:nvPicPr>
         <p:blipFill>
-          <a:blip r:embed="rId2">
+          <a:blip r:embed="rId3">
             <a:extLst>
               <a:ext uri="{28A0092B-C50C-407E-A947-70E740481C1C}">
                 <a14:useLocalDpi xmlns:a14="http://schemas.microsoft.com/office/drawing/2010/main" val="0"/>
               </a:ext>
               <a:ext uri="{96DAC541-7B7A-43D3-8B79-37D633B846F1}">
-                <asvg:svgBlip xmlns:asvg="http://schemas.microsoft.com/office/drawing/2016/SVG/main" r:embed="rId3"/>
+                <asvg:svgBlip xmlns:asvg="http://schemas.microsoft.com/office/drawing/2016/SVG/main" r:embed="rId4"/>
               </a:ext>
             </a:extLst>
           </a:blip>
@@ -4243,11 +4559,46 @@
         </p:blipFill>
         <p:spPr>
           <a:xfrm>
-            <a:off x="1556157" y="1443790"/>
-            <a:ext cx="8636996" cy="4716658"/>
+            <a:off x="1261872" y="2337408"/>
+            <a:ext cx="7764223" cy="4240037"/>
           </a:xfrm>
         </p:spPr>
       </p:pic>
+      <p:sp>
+        <p:nvSpPr>
+          <p:cNvPr id="3" name="TextBox 2">
+            <a:extLst>
+              <a:ext uri="{FF2B5EF4-FFF2-40B4-BE49-F238E27FC236}">
+                <a16:creationId xmlns:a16="http://schemas.microsoft.com/office/drawing/2014/main" id="{98A99523-0041-1A51-CD6F-656BE4A53500}"/>
+              </a:ext>
+            </a:extLst>
+          </p:cNvPr>
+          <p:cNvSpPr txBox="1"/>
+          <p:nvPr/>
+        </p:nvSpPr>
+        <p:spPr>
+          <a:xfrm>
+            <a:off x="1261872" y="1392382"/>
+            <a:ext cx="9866792" cy="646331"/>
+          </a:xfrm>
+          <a:prstGeom prst="rect">
+            <a:avLst/>
+          </a:prstGeom>
+          <a:noFill/>
+        </p:spPr>
+        <p:txBody>
+          <a:bodyPr wrap="square" rtlCol="0">
+            <a:spAutoFit/>
+          </a:bodyPr>
+          <a:lstStyle/>
+          <a:p>
+            <a:r>
+              <a:rPr lang="en-US" dirty="0"/>
+              <a:t>Dropout: temporarily removes random units ,with their connections, based on a 		  percentage. This is to try and prevent overfitting </a:t>
+            </a:r>
+          </a:p>
+        </p:txBody>
+      </p:sp>
     </p:spTree>
     <p:extLst>
       <p:ext uri="{BB962C8B-B14F-4D97-AF65-F5344CB8AC3E}">
@@ -4681,6 +5032,16 @@
 <file path=ppt/slides/slide13.xml><?xml version="1.0" encoding="utf-8"?>
 <p:sld xmlns:a="http://schemas.openxmlformats.org/drawingml/2006/main" xmlns:r="http://schemas.openxmlformats.org/officeDocument/2006/relationships" xmlns:p="http://schemas.openxmlformats.org/presentationml/2006/main">
   <p:cSld>
+    <p:bg>
+      <p:bgPr>
+        <a:solidFill>
+          <a:schemeClr val="bg2">
+            <a:lumMod val="75000"/>
+          </a:schemeClr>
+        </a:solidFill>
+        <a:effectLst/>
+      </p:bgPr>
+    </p:bg>
     <p:spTree>
       <p:nvGrpSpPr>
         <p:cNvPr id="1" name=""/>
@@ -4697,6 +5058,280 @@
       </p:grpSpPr>
       <p:sp>
         <p:nvSpPr>
+          <p:cNvPr id="20" name="Rectangle 19">
+            <a:extLst>
+              <a:ext uri="{FF2B5EF4-FFF2-40B4-BE49-F238E27FC236}">
+                <a16:creationId xmlns:a16="http://schemas.microsoft.com/office/drawing/2014/main" id="{7EFFE664-A3F2-4977-A6E3-C38CF57A1630}"/>
+              </a:ext>
+              <a:ext uri="{C183D7F6-B498-43B3-948B-1728B52AA6E4}">
+                <adec:decorative xmlns:adec="http://schemas.microsoft.com/office/drawing/2017/decorative" val="1"/>
+              </a:ext>
+            </a:extLst>
+          </p:cNvPr>
+          <p:cNvSpPr>
+            <a:spLocks noGrp="1" noRot="1" noChangeAspect="1" noMove="1" noResize="1" noEditPoints="1" noAdjustHandles="1" noChangeArrowheads="1" noChangeShapeType="1" noTextEdit="1"/>
+          </p:cNvSpPr>
+          <p:nvPr>
+            <p:extLst>
+              <p:ext uri="{386F3935-93C4-4BCD-93E2-E3B085C9AB24}">
+                <p16:designElem xmlns:p16="http://schemas.microsoft.com/office/powerpoint/2015/main" val="1"/>
+              </p:ext>
+            </p:extLst>
+          </p:nvPr>
+        </p:nvSpPr>
+        <p:spPr>
+          <a:xfrm>
+            <a:off x="4005618" y="0"/>
+            <a:ext cx="7287222" cy="6858000"/>
+          </a:xfrm>
+          <a:prstGeom prst="rect">
+            <a:avLst/>
+          </a:prstGeom>
+          <a:solidFill>
+            <a:schemeClr val="tx2"/>
+          </a:solidFill>
+          <a:ln>
+            <a:noFill/>
+          </a:ln>
+        </p:spPr>
+        <p:style>
+          <a:lnRef idx="2">
+            <a:schemeClr val="accent1">
+              <a:shade val="50000"/>
+            </a:schemeClr>
+          </a:lnRef>
+          <a:fillRef idx="1">
+            <a:schemeClr val="accent1"/>
+          </a:fillRef>
+          <a:effectRef idx="0">
+            <a:schemeClr val="accent1"/>
+          </a:effectRef>
+          <a:fontRef idx="minor">
+            <a:schemeClr val="lt1"/>
+          </a:fontRef>
+        </p:style>
+        <p:txBody>
+          <a:bodyPr rtlCol="0" anchor="ctr"/>
+          <a:lstStyle/>
+          <a:p>
+            <a:pPr algn="ctr"/>
+            <a:endParaRPr lang="en-US"/>
+          </a:p>
+        </p:txBody>
+      </p:sp>
+      <p:sp>
+        <p:nvSpPr>
+          <p:cNvPr id="22" name="Rectangle 21">
+            <a:extLst>
+              <a:ext uri="{FF2B5EF4-FFF2-40B4-BE49-F238E27FC236}">
+                <a16:creationId xmlns:a16="http://schemas.microsoft.com/office/drawing/2014/main" id="{C85C471A-7EB8-45A1-901F-B4BBC499F1ED}"/>
+              </a:ext>
+              <a:ext uri="{C183D7F6-B498-43B3-948B-1728B52AA6E4}">
+                <adec:decorative xmlns:adec="http://schemas.microsoft.com/office/drawing/2017/decorative" val="1"/>
+              </a:ext>
+            </a:extLst>
+          </p:cNvPr>
+          <p:cNvSpPr>
+            <a:spLocks noGrp="1" noRot="1" noChangeAspect="1" noMove="1" noResize="1" noEditPoints="1" noAdjustHandles="1" noChangeArrowheads="1" noChangeShapeType="1" noTextEdit="1"/>
+          </p:cNvSpPr>
+          <p:nvPr>
+            <p:extLst>
+              <p:ext uri="{386F3935-93C4-4BCD-93E2-E3B085C9AB24}">
+                <p16:designElem xmlns:p16="http://schemas.microsoft.com/office/powerpoint/2015/main" val="1"/>
+              </p:ext>
+            </p:extLst>
+          </p:nvPr>
+        </p:nvSpPr>
+        <p:spPr>
+          <a:xfrm>
+            <a:off x="0" y="-2812"/>
+            <a:ext cx="4059079" cy="6860812"/>
+          </a:xfrm>
+          <a:prstGeom prst="rect">
+            <a:avLst/>
+          </a:prstGeom>
+          <a:solidFill>
+            <a:srgbClr val="292929"/>
+          </a:solidFill>
+          <a:ln>
+            <a:noFill/>
+          </a:ln>
+        </p:spPr>
+        <p:style>
+          <a:lnRef idx="2">
+            <a:schemeClr val="accent1">
+              <a:shade val="50000"/>
+            </a:schemeClr>
+          </a:lnRef>
+          <a:fillRef idx="1">
+            <a:schemeClr val="accent1"/>
+          </a:fillRef>
+          <a:effectRef idx="0">
+            <a:schemeClr val="accent1"/>
+          </a:effectRef>
+          <a:fontRef idx="minor">
+            <a:schemeClr val="lt1"/>
+          </a:fontRef>
+        </p:style>
+        <p:txBody>
+          <a:bodyPr rtlCol="0" anchor="ctr"/>
+          <a:lstStyle/>
+          <a:p>
+            <a:pPr algn="ctr"/>
+            <a:endParaRPr lang="en-US"/>
+          </a:p>
+        </p:txBody>
+      </p:sp>
+      <p:sp>
+        <p:nvSpPr>
+          <p:cNvPr id="15" name="Subtitle 14">
+            <a:extLst>
+              <a:ext uri="{FF2B5EF4-FFF2-40B4-BE49-F238E27FC236}">
+                <a16:creationId xmlns:a16="http://schemas.microsoft.com/office/drawing/2014/main" id="{94ADF9B1-86C9-D509-F00B-623DF328306C}"/>
+              </a:ext>
+            </a:extLst>
+          </p:cNvPr>
+          <p:cNvSpPr>
+            <a:spLocks noGrp="1"/>
+          </p:cNvSpPr>
+          <p:nvPr>
+            <p:ph type="subTitle" idx="1"/>
+          </p:nvPr>
+        </p:nvSpPr>
+        <p:spPr>
+          <a:xfrm>
+            <a:off x="477672" y="931862"/>
+            <a:ext cx="3029803" cy="5087938"/>
+          </a:xfrm>
+          <a:noFill/>
+        </p:spPr>
+        <p:txBody>
+          <a:bodyPr anchor="t">
+            <a:normAutofit/>
+          </a:bodyPr>
+          <a:lstStyle/>
+          <a:p>
+            <a:pPr algn="ctr"/>
+            <a:r>
+              <a:rPr lang="en-US" sz="3600" dirty="0">
+                <a:solidFill>
+                  <a:srgbClr val="FFFFFF"/>
+                </a:solidFill>
+              </a:rPr>
+              <a:t>Code</a:t>
+            </a:r>
+          </a:p>
+          <a:p>
+            <a:pPr algn="ctr"/>
+            <a:endParaRPr lang="en-US" sz="3600" dirty="0">
+              <a:solidFill>
+                <a:srgbClr val="FFFFFF"/>
+              </a:solidFill>
+            </a:endParaRPr>
+          </a:p>
+          <a:p>
+            <a:pPr algn="ctr"/>
+            <a:endParaRPr lang="en-US" sz="3600" dirty="0">
+              <a:solidFill>
+                <a:srgbClr val="FFFFFF"/>
+              </a:solidFill>
+            </a:endParaRPr>
+          </a:p>
+          <a:p>
+            <a:pPr algn="ctr"/>
+            <a:endParaRPr lang="en-US" sz="3600" dirty="0">
+              <a:solidFill>
+                <a:srgbClr val="FFFFFF"/>
+              </a:solidFill>
+            </a:endParaRPr>
+          </a:p>
+          <a:p>
+            <a:pPr algn="ctr"/>
+            <a:endParaRPr lang="en-US" sz="3600" dirty="0">
+              <a:solidFill>
+                <a:srgbClr val="FFFFFF"/>
+              </a:solidFill>
+            </a:endParaRPr>
+          </a:p>
+        </p:txBody>
+      </p:sp>
+      <p:pic>
+        <p:nvPicPr>
+          <p:cNvPr id="3074" name="Picture 2" descr="They used coding and algorithms so the drones didn't crash into each other  TECH one 485 Share if (goingToCrashIntoEachOther ) { dont(); } - )">
+            <a:extLst>
+              <a:ext uri="{FF2B5EF4-FFF2-40B4-BE49-F238E27FC236}">
+                <a16:creationId xmlns:a16="http://schemas.microsoft.com/office/drawing/2014/main" id="{6C1CE0B4-AAC9-B8F1-906D-8C49339A01C3}"/>
+              </a:ext>
+            </a:extLst>
+          </p:cNvPr>
+          <p:cNvPicPr>
+            <a:picLocks noChangeAspect="1" noChangeArrowheads="1"/>
+          </p:cNvPicPr>
+          <p:nvPr/>
+        </p:nvPicPr>
+        <p:blipFill rotWithShape="1">
+          <a:blip r:embed="rId3">
+            <a:extLst>
+              <a:ext uri="{28A0092B-C50C-407E-A947-70E740481C1C}">
+                <a14:useLocalDpi xmlns:a14="http://schemas.microsoft.com/office/drawing/2010/main" val="0"/>
+              </a:ext>
+            </a:extLst>
+          </a:blip>
+          <a:srcRect b="2400"/>
+          <a:stretch/>
+        </p:blipFill>
+        <p:spPr bwMode="auto">
+          <a:xfrm>
+            <a:off x="4059079" y="0"/>
+            <a:ext cx="7233761" cy="6693408"/>
+          </a:xfrm>
+          <a:prstGeom prst="rect">
+            <a:avLst/>
+          </a:prstGeom>
+          <a:noFill/>
+          <a:extLst>
+            <a:ext uri="{909E8E84-426E-40DD-AFC4-6F175D3DCCD1}">
+              <a14:hiddenFill xmlns:a14="http://schemas.microsoft.com/office/drawing/2010/main">
+                <a:solidFill>
+                  <a:srgbClr val="FFFFFF"/>
+                </a:solidFill>
+              </a14:hiddenFill>
+            </a:ext>
+          </a:extLst>
+        </p:spPr>
+      </p:pic>
+    </p:spTree>
+    <p:extLst>
+      <p:ext uri="{BB962C8B-B14F-4D97-AF65-F5344CB8AC3E}">
+        <p14:creationId xmlns:p14="http://schemas.microsoft.com/office/powerpoint/2010/main" val="2270474653"/>
+      </p:ext>
+    </p:extLst>
+  </p:cSld>
+  <p:clrMapOvr>
+    <a:masterClrMapping/>
+  </p:clrMapOvr>
+</p:sld>
+</file>
+
+<file path=ppt/slides/slide14.xml><?xml version="1.0" encoding="utf-8"?>
+<p:sld xmlns:a="http://schemas.openxmlformats.org/drawingml/2006/main" xmlns:r="http://schemas.openxmlformats.org/officeDocument/2006/relationships" xmlns:p="http://schemas.openxmlformats.org/presentationml/2006/main">
+  <p:cSld>
+    <p:spTree>
+      <p:nvGrpSpPr>
+        <p:cNvPr id="1" name=""/>
+        <p:cNvGrpSpPr/>
+        <p:nvPr/>
+      </p:nvGrpSpPr>
+      <p:grpSpPr>
+        <a:xfrm>
+          <a:off x="0" y="0"/>
+          <a:ext cx="0" cy="0"/>
+          <a:chOff x="0" y="0"/>
+          <a:chExt cx="0" cy="0"/>
+        </a:xfrm>
+      </p:grpSpPr>
+      <p:sp>
+        <p:nvSpPr>
           <p:cNvPr id="2" name="Title 1">
             <a:extLst>
               <a:ext uri="{FF2B5EF4-FFF2-40B4-BE49-F238E27FC236}">
@@ -4739,7 +5374,12 @@
             <p:ph idx="1"/>
           </p:nvPr>
         </p:nvSpPr>
-        <p:spPr/>
+        <p:spPr>
+          <a:xfrm>
+            <a:off x="1261872" y="1828800"/>
+            <a:ext cx="5627301" cy="4351337"/>
+          </a:xfrm>
+        </p:spPr>
         <p:txBody>
           <a:bodyPr/>
           <a:lstStyle/>
@@ -4752,17 +5392,71 @@
           <a:p>
             <a:r>
               <a:rPr lang="en-US" dirty="0"/>
+              <a:t>Applying this model to different cryptocurrencies and even stocks</a:t>
+            </a:r>
+          </a:p>
+          <a:p>
+            <a:r>
+              <a:rPr lang="en-US" dirty="0"/>
               <a:t>Implementing a Transformer Network instead of LSTM</a:t>
             </a:r>
           </a:p>
           <a:p>
-            <a:r>
-              <a:rPr lang="en-US" dirty="0"/>
-              <a:t>Applying this model to different cryptocurrencies and even stocks</a:t>
-            </a:r>
-          </a:p>
-        </p:txBody>
-      </p:sp>
+            <a:endParaRPr lang="en-US" dirty="0"/>
+          </a:p>
+          <a:p>
+            <a:pPr marL="0" indent="0">
+              <a:buNone/>
+            </a:pPr>
+            <a:endParaRPr lang="en-US" dirty="0"/>
+          </a:p>
+        </p:txBody>
+      </p:sp>
+      <p:pic>
+        <p:nvPicPr>
+          <p:cNvPr id="1026" name="Picture 2">
+            <a:extLst>
+              <a:ext uri="{FF2B5EF4-FFF2-40B4-BE49-F238E27FC236}">
+                <a16:creationId xmlns:a16="http://schemas.microsoft.com/office/drawing/2014/main" id="{900A013E-178D-7F50-C3A6-90BBF625CFE3}"/>
+              </a:ext>
+            </a:extLst>
+          </p:cNvPr>
+          <p:cNvPicPr>
+            <a:picLocks noChangeAspect="1" noChangeArrowheads="1"/>
+          </p:cNvPicPr>
+          <p:nvPr/>
+        </p:nvPicPr>
+        <p:blipFill rotWithShape="1">
+          <a:blip r:embed="rId2">
+            <a:extLst>
+              <a:ext uri="{28A0092B-C50C-407E-A947-70E740481C1C}">
+                <a14:useLocalDpi xmlns:a14="http://schemas.microsoft.com/office/drawing/2010/main" val="0"/>
+              </a:ext>
+            </a:extLst>
+          </a:blip>
+          <a:srcRect l="19308"/>
+          <a:stretch/>
+        </p:blipFill>
+        <p:spPr bwMode="auto">
+          <a:xfrm>
+            <a:off x="7138555" y="1288473"/>
+            <a:ext cx="4148467" cy="5203767"/>
+          </a:xfrm>
+          <a:prstGeom prst="rect">
+            <a:avLst/>
+          </a:prstGeom>
+          <a:noFill/>
+          <a:extLst>
+            <a:ext uri="{909E8E84-426E-40DD-AFC4-6F175D3DCCD1}">
+              <a14:hiddenFill xmlns:a14="http://schemas.microsoft.com/office/drawing/2010/main">
+                <a:solidFill>
+                  <a:srgbClr val="FFFFFF"/>
+                </a:solidFill>
+              </a14:hiddenFill>
+            </a:ext>
+          </a:extLst>
+        </p:spPr>
+      </p:pic>
     </p:spTree>
     <p:extLst>
       <p:ext uri="{BB962C8B-B14F-4D97-AF65-F5344CB8AC3E}">
@@ -5403,7 +6097,7 @@
             <a:pPr lvl="1"/>
             <a:r>
               <a:rPr lang="en-US" dirty="0"/>
-              <a:t>If the information we need to use for prediction is learning long from when it’s used, traditional RNN’s become less likely to be able to connect that information together</a:t>
+              <a:t>If the information we need to use for prediction is learning long from when it’s used, traditional RNN’s become less likely to be able to connect that information together. (caused by vanishing/exploding gradient problem)</a:t>
             </a:r>
           </a:p>
           <a:p>
@@ -5426,8 +6120,75 @@
               <a:t>Not practical </a:t>
             </a:r>
           </a:p>
-        </p:txBody>
-      </p:sp>
+          <a:p>
+            <a:pPr marL="274320" lvl="1" indent="0">
+              <a:buNone/>
+            </a:pPr>
+            <a:endParaRPr lang="en-US" dirty="0"/>
+          </a:p>
+          <a:p>
+            <a:pPr marL="274320" lvl="1" indent="0">
+              <a:buNone/>
+            </a:pPr>
+            <a:endParaRPr lang="en-US" dirty="0"/>
+          </a:p>
+          <a:p>
+            <a:pPr lvl="1"/>
+            <a:endParaRPr lang="en-US" dirty="0"/>
+          </a:p>
+          <a:p>
+            <a:pPr lvl="1"/>
+            <a:endParaRPr lang="en-US" dirty="0"/>
+          </a:p>
+        </p:txBody>
+      </p:sp>
+      <p:pic>
+        <p:nvPicPr>
+          <p:cNvPr id="2050" name="Picture 2">
+            <a:extLst>
+              <a:ext uri="{FF2B5EF4-FFF2-40B4-BE49-F238E27FC236}">
+                <a16:creationId xmlns:a16="http://schemas.microsoft.com/office/drawing/2014/main" id="{A695C018-02BD-D231-9B51-A17926072C82}"/>
+              </a:ext>
+            </a:extLst>
+          </p:cNvPr>
+          <p:cNvPicPr>
+            <a:picLocks noChangeAspect="1" noChangeArrowheads="1"/>
+          </p:cNvPicPr>
+          <p:nvPr/>
+        </p:nvPicPr>
+        <p:blipFill>
+          <a:blip r:embed="rId3">
+            <a:extLst>
+              <a:ext uri="{28A0092B-C50C-407E-A947-70E740481C1C}">
+                <a14:useLocalDpi xmlns:a14="http://schemas.microsoft.com/office/drawing/2010/main" val="0"/>
+              </a:ext>
+            </a:extLst>
+          </a:blip>
+          <a:srcRect/>
+          <a:stretch>
+            <a:fillRect/>
+          </a:stretch>
+        </p:blipFill>
+        <p:spPr bwMode="auto">
+          <a:xfrm>
+            <a:off x="1261872" y="4632267"/>
+            <a:ext cx="7439891" cy="1859973"/>
+          </a:xfrm>
+          <a:prstGeom prst="rect">
+            <a:avLst/>
+          </a:prstGeom>
+          <a:noFill/>
+          <a:extLst>
+            <a:ext uri="{909E8E84-426E-40DD-AFC4-6F175D3DCCD1}">
+              <a14:hiddenFill xmlns:a14="http://schemas.microsoft.com/office/drawing/2010/main">
+                <a:solidFill>
+                  <a:srgbClr val="FFFFFF"/>
+                </a:solidFill>
+              </a14:hiddenFill>
+            </a:ext>
+          </a:extLst>
+        </p:spPr>
+      </p:pic>
     </p:spTree>
     <p:extLst>
       <p:ext uri="{BB962C8B-B14F-4D97-AF65-F5344CB8AC3E}">
@@ -7266,8 +8027,8 @@
           </p:sp>
         </mc:Fallback>
       </mc:AlternateContent>
-      <mc:AlternateContent xmlns:mc="http://schemas.openxmlformats.org/markup-compatibility/2006">
-        <mc:Choice xmlns:a14="http://schemas.microsoft.com/office/drawing/2010/main" Requires="a14">
+      <mc:AlternateContent xmlns:mc="http://schemas.openxmlformats.org/markup-compatibility/2006" xmlns:a14="http://schemas.microsoft.com/office/drawing/2010/main">
+        <mc:Choice Requires="a14">
           <p:sp>
             <p:nvSpPr>
               <p:cNvPr id="3" name="TextBox 2">
@@ -7665,7 +8426,7 @@
             </p:txBody>
           </p:sp>
         </mc:Choice>
-        <mc:Fallback>
+        <mc:Fallback xmlns="">
           <p:sp>
             <p:nvSpPr>
               <p:cNvPr id="3" name="TextBox 2">
@@ -7857,7 +8618,9 @@
         </p:nvSpPr>
         <p:spPr/>
         <p:txBody>
-          <a:bodyPr/>
+          <a:bodyPr>
+            <a:normAutofit fontScale="92500" lnSpcReduction="20000"/>
+          </a:bodyPr>
           <a:lstStyle/>
           <a:p>
             <a:r>
@@ -7917,6 +8680,25 @@
             <a:r>
               <a:rPr lang="en-US" dirty="0"/>
               <a:t>21 Day running average</a:t>
+            </a:r>
+          </a:p>
+          <a:p>
+            <a:r>
+              <a:rPr lang="en-US" dirty="0"/>
+              <a:t>Labels </a:t>
+            </a:r>
+          </a:p>
+          <a:p>
+            <a:pPr lvl="1"/>
+            <a:r>
+              <a:rPr lang="en-US" dirty="0"/>
+              <a:t>Next day’s closing price</a:t>
+            </a:r>
+          </a:p>
+          <a:p>
+            <a:r>
+              <a:rPr lang="en-US" dirty="0"/>
+              <a:t>Since stock fluctuates naturally, and contains many outliers within certain interval's, including averages allows for us to smooth out the data when mapping to labels.</a:t>
             </a:r>
           </a:p>
         </p:txBody>
@@ -8234,8 +9016,8 @@
         </p:nvSpPr>
         <p:spPr>
           <a:xfrm>
-            <a:off x="4899259" y="4600876"/>
-            <a:ext cx="5890661" cy="2031325"/>
+            <a:off x="4867015" y="4266431"/>
+            <a:ext cx="5890661" cy="2585323"/>
           </a:xfrm>
           <a:prstGeom prst="rect">
             <a:avLst/>
@@ -8272,7 +9054,7 @@
             </a:r>
             <a:r>
               <a:rPr lang="en-US" dirty="0"/>
-              <a:t> = Number of data values per batch</a:t>
+              <a:t> = Number of data values per batch (in 			      our case it a batch had a day and 10 			      hours worth of data)</a:t>
             </a:r>
           </a:p>
           <a:p>
